--- a/Final/Gary/Gary ML Presentation.pptx
+++ b/Final/Gary/Gary ML Presentation.pptx
@@ -7,26 +7,26 @@
   <p:sldIdLst>
     <p:sldId id="256" r:id="rId2"/>
     <p:sldId id="272" r:id="rId3"/>
-    <p:sldId id="273" r:id="rId4"/>
-    <p:sldId id="276" r:id="rId5"/>
-    <p:sldId id="259" r:id="rId6"/>
-    <p:sldId id="257" r:id="rId7"/>
-    <p:sldId id="258" r:id="rId8"/>
-    <p:sldId id="260" r:id="rId9"/>
-    <p:sldId id="261" r:id="rId10"/>
-    <p:sldId id="262" r:id="rId11"/>
-    <p:sldId id="263" r:id="rId12"/>
-    <p:sldId id="264" r:id="rId13"/>
-    <p:sldId id="265" r:id="rId14"/>
-    <p:sldId id="266" r:id="rId15"/>
-    <p:sldId id="267" r:id="rId16"/>
-    <p:sldId id="268" r:id="rId17"/>
-    <p:sldId id="269" r:id="rId18"/>
-    <p:sldId id="270" r:id="rId19"/>
-    <p:sldId id="277" r:id="rId20"/>
-    <p:sldId id="278" r:id="rId21"/>
-    <p:sldId id="280" r:id="rId22"/>
-    <p:sldId id="281" r:id="rId23"/>
+    <p:sldId id="259" r:id="rId4"/>
+    <p:sldId id="257" r:id="rId5"/>
+    <p:sldId id="258" r:id="rId6"/>
+    <p:sldId id="260" r:id="rId7"/>
+    <p:sldId id="261" r:id="rId8"/>
+    <p:sldId id="262" r:id="rId9"/>
+    <p:sldId id="263" r:id="rId10"/>
+    <p:sldId id="264" r:id="rId11"/>
+    <p:sldId id="265" r:id="rId12"/>
+    <p:sldId id="266" r:id="rId13"/>
+    <p:sldId id="267" r:id="rId14"/>
+    <p:sldId id="268" r:id="rId15"/>
+    <p:sldId id="269" r:id="rId16"/>
+    <p:sldId id="270" r:id="rId17"/>
+    <p:sldId id="277" r:id="rId18"/>
+    <p:sldId id="278" r:id="rId19"/>
+    <p:sldId id="280" r:id="rId20"/>
+    <p:sldId id="281" r:id="rId21"/>
+    <p:sldId id="273" r:id="rId22"/>
+    <p:sldId id="276" r:id="rId23"/>
   </p:sldIdLst>
   <p:sldSz cx="12192000" cy="6858000"/>
   <p:notesSz cx="6858000" cy="9144000"/>
@@ -190,7 +190,7 @@
           <a:noFill/>
           <a:extLst>
             <a:ext uri="{909E8E84-426E-40dd-AFC4-6F175D3DCCD1}">
-              <a14:hiddenFill xmlns="" xmlns:a14="http://schemas.microsoft.com/office/drawing/2010/main">
+              <a14:hiddenFill xmlns:a14="http://schemas.microsoft.com/office/drawing/2010/main" xmlns="">
                 <a:solidFill>
                   <a:srgbClr val="FFFFFF"/>
                 </a:solidFill>
@@ -249,7 +249,7 @@
             </a:ln>
             <a:extLst>
               <a:ext uri="{91240B29-F687-4f45-9708-019B960494DF}">
-                <a14:hiddenLine xmlns="" xmlns:a14="http://schemas.microsoft.com/office/drawing/2010/main" w="9525">
+                <a14:hiddenLine xmlns:a14="http://schemas.microsoft.com/office/drawing/2010/main" xmlns="" w="9525">
                   <a:solidFill>
                     <a:srgbClr val="000000"/>
                   </a:solidFill>
@@ -339,7 +339,7 @@
             </a:ln>
             <a:extLst>
               <a:ext uri="{91240B29-F687-4f45-9708-019B960494DF}">
-                <a14:hiddenLine xmlns="" xmlns:a14="http://schemas.microsoft.com/office/drawing/2010/main" w="9525">
+                <a14:hiddenLine xmlns:a14="http://schemas.microsoft.com/office/drawing/2010/main" xmlns="" w="9525">
                   <a:solidFill>
                     <a:srgbClr val="000000"/>
                   </a:solidFill>
@@ -429,7 +429,7 @@
             </a:ln>
             <a:extLst>
               <a:ext uri="{91240B29-F687-4f45-9708-019B960494DF}">
-                <a14:hiddenLine xmlns="" xmlns:a14="http://schemas.microsoft.com/office/drawing/2010/main" w="9525">
+                <a14:hiddenLine xmlns:a14="http://schemas.microsoft.com/office/drawing/2010/main" xmlns="" w="9525">
                   <a:solidFill>
                     <a:srgbClr val="000000"/>
                   </a:solidFill>
@@ -463,7 +463,7 @@
             </a:ln>
             <a:extLst>
               <a:ext uri="{91240B29-F687-4f45-9708-019B960494DF}">
-                <a14:hiddenLine xmlns="" xmlns:a14="http://schemas.microsoft.com/office/drawing/2010/main" w="9525">
+                <a14:hiddenLine xmlns:a14="http://schemas.microsoft.com/office/drawing/2010/main" xmlns="" w="9525">
                   <a:solidFill>
                     <a:srgbClr val="000000"/>
                   </a:solidFill>
@@ -553,7 +553,7 @@
             </a:ln>
             <a:extLst>
               <a:ext uri="{91240B29-F687-4f45-9708-019B960494DF}">
-                <a14:hiddenLine xmlns="" xmlns:a14="http://schemas.microsoft.com/office/drawing/2010/main" w="9525">
+                <a14:hiddenLine xmlns:a14="http://schemas.microsoft.com/office/drawing/2010/main" xmlns="" w="9525">
                   <a:solidFill>
                     <a:srgbClr val="000000"/>
                   </a:solidFill>
@@ -615,7 +615,7 @@
             </a:ln>
             <a:extLst>
               <a:ext uri="{91240B29-F687-4f45-9708-019B960494DF}">
-                <a14:hiddenLine xmlns="" xmlns:a14="http://schemas.microsoft.com/office/drawing/2010/main" w="9525">
+                <a14:hiddenLine xmlns:a14="http://schemas.microsoft.com/office/drawing/2010/main" xmlns="" w="9525">
                   <a:solidFill>
                     <a:srgbClr val="000000"/>
                   </a:solidFill>
@@ -677,7 +677,7 @@
             </a:ln>
             <a:extLst>
               <a:ext uri="{91240B29-F687-4f45-9708-019B960494DF}">
-                <a14:hiddenLine xmlns="" xmlns:a14="http://schemas.microsoft.com/office/drawing/2010/main" w="9525">
+                <a14:hiddenLine xmlns:a14="http://schemas.microsoft.com/office/drawing/2010/main" xmlns="" w="9525">
                   <a:solidFill>
                     <a:srgbClr val="000000"/>
                   </a:solidFill>
@@ -767,7 +767,7 @@
             </a:ln>
             <a:extLst>
               <a:ext uri="{91240B29-F687-4f45-9708-019B960494DF}">
-                <a14:hiddenLine xmlns="" xmlns:a14="http://schemas.microsoft.com/office/drawing/2010/main" w="9525">
+                <a14:hiddenLine xmlns:a14="http://schemas.microsoft.com/office/drawing/2010/main" xmlns="" w="9525">
                   <a:solidFill>
                     <a:srgbClr val="000000"/>
                   </a:solidFill>
@@ -829,7 +829,7 @@
             </a:ln>
             <a:extLst>
               <a:ext uri="{91240B29-F687-4f45-9708-019B960494DF}">
-                <a14:hiddenLine xmlns="" xmlns:a14="http://schemas.microsoft.com/office/drawing/2010/main" w="9525">
+                <a14:hiddenLine xmlns:a14="http://schemas.microsoft.com/office/drawing/2010/main" xmlns="" w="9525">
                   <a:solidFill>
                     <a:srgbClr val="000000"/>
                   </a:solidFill>
@@ -891,7 +891,7 @@
             </a:ln>
             <a:extLst>
               <a:ext uri="{91240B29-F687-4f45-9708-019B960494DF}">
-                <a14:hiddenLine xmlns="" xmlns:a14="http://schemas.microsoft.com/office/drawing/2010/main" w="9525">
+                <a14:hiddenLine xmlns:a14="http://schemas.microsoft.com/office/drawing/2010/main" xmlns="" w="9525">
                   <a:solidFill>
                     <a:srgbClr val="000000"/>
                   </a:solidFill>
@@ -981,7 +981,7 @@
             </a:ln>
             <a:extLst>
               <a:ext uri="{91240B29-F687-4f45-9708-019B960494DF}">
-                <a14:hiddenLine xmlns="" xmlns:a14="http://schemas.microsoft.com/office/drawing/2010/main" w="9525">
+                <a14:hiddenLine xmlns:a14="http://schemas.microsoft.com/office/drawing/2010/main" xmlns="" w="9525">
                   <a:solidFill>
                     <a:srgbClr val="000000"/>
                   </a:solidFill>
@@ -1071,7 +1071,7 @@
             </a:ln>
             <a:extLst>
               <a:ext uri="{91240B29-F687-4f45-9708-019B960494DF}">
-                <a14:hiddenLine xmlns="" xmlns:a14="http://schemas.microsoft.com/office/drawing/2010/main" w="9525">
+                <a14:hiddenLine xmlns:a14="http://schemas.microsoft.com/office/drawing/2010/main" xmlns="" w="9525">
                   <a:solidFill>
                     <a:srgbClr val="000000"/>
                   </a:solidFill>
@@ -1133,7 +1133,7 @@
             </a:ln>
             <a:extLst>
               <a:ext uri="{91240B29-F687-4f45-9708-019B960494DF}">
-                <a14:hiddenLine xmlns="" xmlns:a14="http://schemas.microsoft.com/office/drawing/2010/main" w="9525">
+                <a14:hiddenLine xmlns:a14="http://schemas.microsoft.com/office/drawing/2010/main" xmlns="" w="9525">
                   <a:solidFill>
                     <a:srgbClr val="000000"/>
                   </a:solidFill>
@@ -1243,7 +1243,7 @@
             </a:ln>
             <a:extLst>
               <a:ext uri="{91240B29-F687-4f45-9708-019B960494DF}">
-                <a14:hiddenLine xmlns="" xmlns:a14="http://schemas.microsoft.com/office/drawing/2010/main" w="9525">
+                <a14:hiddenLine xmlns:a14="http://schemas.microsoft.com/office/drawing/2010/main" xmlns="" w="9525">
                   <a:solidFill>
                     <a:srgbClr val="000000"/>
                   </a:solidFill>
@@ -1305,7 +1305,7 @@
             </a:ln>
             <a:extLst>
               <a:ext uri="{91240B29-F687-4f45-9708-019B960494DF}">
-                <a14:hiddenLine xmlns="" xmlns:a14="http://schemas.microsoft.com/office/drawing/2010/main" w="9525">
+                <a14:hiddenLine xmlns:a14="http://schemas.microsoft.com/office/drawing/2010/main" xmlns="" w="9525">
                   <a:solidFill>
                     <a:srgbClr val="000000"/>
                   </a:solidFill>
@@ -1395,7 +1395,7 @@
             </a:ln>
             <a:extLst>
               <a:ext uri="{91240B29-F687-4f45-9708-019B960494DF}">
-                <a14:hiddenLine xmlns="" xmlns:a14="http://schemas.microsoft.com/office/drawing/2010/main" w="9525">
+                <a14:hiddenLine xmlns:a14="http://schemas.microsoft.com/office/drawing/2010/main" xmlns="" w="9525">
                   <a:solidFill>
                     <a:srgbClr val="000000"/>
                   </a:solidFill>
@@ -1485,7 +1485,7 @@
             </a:ln>
             <a:extLst>
               <a:ext uri="{91240B29-F687-4f45-9708-019B960494DF}">
-                <a14:hiddenLine xmlns="" xmlns:a14="http://schemas.microsoft.com/office/drawing/2010/main" w="9525">
+                <a14:hiddenLine xmlns:a14="http://schemas.microsoft.com/office/drawing/2010/main" xmlns="" w="9525">
                   <a:solidFill>
                     <a:srgbClr val="000000"/>
                   </a:solidFill>
@@ -1547,7 +1547,7 @@
             </a:ln>
             <a:extLst>
               <a:ext uri="{91240B29-F687-4f45-9708-019B960494DF}">
-                <a14:hiddenLine xmlns="" xmlns:a14="http://schemas.microsoft.com/office/drawing/2010/main" w="9525">
+                <a14:hiddenLine xmlns:a14="http://schemas.microsoft.com/office/drawing/2010/main" xmlns="" w="9525">
                   <a:solidFill>
                     <a:srgbClr val="000000"/>
                   </a:solidFill>
@@ -1637,7 +1637,7 @@
             </a:ln>
             <a:extLst>
               <a:ext uri="{91240B29-F687-4f45-9708-019B960494DF}">
-                <a14:hiddenLine xmlns="" xmlns:a14="http://schemas.microsoft.com/office/drawing/2010/main" w="9525">
+                <a14:hiddenLine xmlns:a14="http://schemas.microsoft.com/office/drawing/2010/main" xmlns="" w="9525">
                   <a:solidFill>
                     <a:srgbClr val="000000"/>
                   </a:solidFill>
@@ -1727,7 +1727,7 @@
             </a:ln>
             <a:extLst>
               <a:ext uri="{91240B29-F687-4f45-9708-019B960494DF}">
-                <a14:hiddenLine xmlns="" xmlns:a14="http://schemas.microsoft.com/office/drawing/2010/main" w="9525">
+                <a14:hiddenLine xmlns:a14="http://schemas.microsoft.com/office/drawing/2010/main" xmlns="" w="9525">
                   <a:solidFill>
                     <a:srgbClr val="000000"/>
                   </a:solidFill>
@@ -1783,7 +1783,7 @@
             </a:ln>
             <a:extLst>
               <a:ext uri="{91240B29-F687-4f45-9708-019B960494DF}">
-                <a14:hiddenLine xmlns="" xmlns:a14="http://schemas.microsoft.com/office/drawing/2010/main" w="9525">
+                <a14:hiddenLine xmlns:a14="http://schemas.microsoft.com/office/drawing/2010/main" xmlns="" w="9525">
                   <a:solidFill>
                     <a:srgbClr val="000000"/>
                   </a:solidFill>
@@ -1873,7 +1873,7 @@
             </a:ln>
             <a:extLst>
               <a:ext uri="{91240B29-F687-4f45-9708-019B960494DF}">
-                <a14:hiddenLine xmlns="" xmlns:a14="http://schemas.microsoft.com/office/drawing/2010/main" w="9525">
+                <a14:hiddenLine xmlns:a14="http://schemas.microsoft.com/office/drawing/2010/main" xmlns="" w="9525">
                   <a:solidFill>
                     <a:srgbClr val="000000"/>
                   </a:solidFill>
@@ -1929,7 +1929,7 @@
             </a:ln>
             <a:extLst>
               <a:ext uri="{91240B29-F687-4f45-9708-019B960494DF}">
-                <a14:hiddenLine xmlns="" xmlns:a14="http://schemas.microsoft.com/office/drawing/2010/main" w="9525">
+                <a14:hiddenLine xmlns:a14="http://schemas.microsoft.com/office/drawing/2010/main" xmlns="" w="9525">
                   <a:solidFill>
                     <a:srgbClr val="000000"/>
                   </a:solidFill>
@@ -2019,7 +2019,7 @@
             </a:ln>
             <a:extLst>
               <a:ext uri="{91240B29-F687-4f45-9708-019B960494DF}">
-                <a14:hiddenLine xmlns="" xmlns:a14="http://schemas.microsoft.com/office/drawing/2010/main" w="9525">
+                <a14:hiddenLine xmlns:a14="http://schemas.microsoft.com/office/drawing/2010/main" xmlns="" w="9525">
                   <a:solidFill>
                     <a:srgbClr val="000000"/>
                   </a:solidFill>
@@ -2087,7 +2087,7 @@
             </a:ln>
             <a:extLst>
               <a:ext uri="{91240B29-F687-4f45-9708-019B960494DF}">
-                <a14:hiddenLine xmlns="" xmlns:a14="http://schemas.microsoft.com/office/drawing/2010/main" w="9525">
+                <a14:hiddenLine xmlns:a14="http://schemas.microsoft.com/office/drawing/2010/main" xmlns="" w="9525">
                   <a:solidFill>
                     <a:srgbClr val="000000"/>
                   </a:solidFill>
@@ -2177,7 +2177,7 @@
             </a:ln>
             <a:extLst>
               <a:ext uri="{91240B29-F687-4f45-9708-019B960494DF}">
-                <a14:hiddenLine xmlns="" xmlns:a14="http://schemas.microsoft.com/office/drawing/2010/main" w="9525">
+                <a14:hiddenLine xmlns:a14="http://schemas.microsoft.com/office/drawing/2010/main" xmlns="" w="9525">
                   <a:solidFill>
                     <a:srgbClr val="000000"/>
                   </a:solidFill>
@@ -2245,7 +2245,7 @@
             </a:ln>
             <a:extLst>
               <a:ext uri="{91240B29-F687-4f45-9708-019B960494DF}">
-                <a14:hiddenLine xmlns="" xmlns:a14="http://schemas.microsoft.com/office/drawing/2010/main" w="9525">
+                <a14:hiddenLine xmlns:a14="http://schemas.microsoft.com/office/drawing/2010/main" xmlns="" w="9525">
                   <a:solidFill>
                     <a:srgbClr val="000000"/>
                   </a:solidFill>
@@ -2335,7 +2335,7 @@
             </a:ln>
             <a:extLst>
               <a:ext uri="{91240B29-F687-4f45-9708-019B960494DF}">
-                <a14:hiddenLine xmlns="" xmlns:a14="http://schemas.microsoft.com/office/drawing/2010/main" w="9525">
+                <a14:hiddenLine xmlns:a14="http://schemas.microsoft.com/office/drawing/2010/main" xmlns="" w="9525">
                   <a:solidFill>
                     <a:srgbClr val="000000"/>
                   </a:solidFill>
@@ -2369,7 +2369,7 @@
             </a:ln>
             <a:extLst>
               <a:ext uri="{91240B29-F687-4f45-9708-019B960494DF}">
-                <a14:hiddenLine xmlns="" xmlns:a14="http://schemas.microsoft.com/office/drawing/2010/main" w="9525">
+                <a14:hiddenLine xmlns:a14="http://schemas.microsoft.com/office/drawing/2010/main" xmlns="" w="9525">
                   <a:solidFill>
                     <a:srgbClr val="000000"/>
                   </a:solidFill>
@@ -2459,7 +2459,7 @@
             </a:ln>
             <a:extLst>
               <a:ext uri="{91240B29-F687-4f45-9708-019B960494DF}">
-                <a14:hiddenLine xmlns="" xmlns:a14="http://schemas.microsoft.com/office/drawing/2010/main" w="9525">
+                <a14:hiddenLine xmlns:a14="http://schemas.microsoft.com/office/drawing/2010/main" xmlns="" w="9525">
                   <a:solidFill>
                     <a:srgbClr val="000000"/>
                   </a:solidFill>
@@ -2521,7 +2521,7 @@
             </a:ln>
             <a:extLst>
               <a:ext uri="{91240B29-F687-4f45-9708-019B960494DF}">
-                <a14:hiddenLine xmlns="" xmlns:a14="http://schemas.microsoft.com/office/drawing/2010/main" w="9525">
+                <a14:hiddenLine xmlns:a14="http://schemas.microsoft.com/office/drawing/2010/main" xmlns="" w="9525">
                   <a:solidFill>
                     <a:srgbClr val="000000"/>
                   </a:solidFill>
@@ -2583,7 +2583,7 @@
             </a:ln>
             <a:extLst>
               <a:ext uri="{91240B29-F687-4f45-9708-019B960494DF}">
-                <a14:hiddenLine xmlns="" xmlns:a14="http://schemas.microsoft.com/office/drawing/2010/main" w="9525">
+                <a14:hiddenLine xmlns:a14="http://schemas.microsoft.com/office/drawing/2010/main" xmlns="" w="9525">
                   <a:solidFill>
                     <a:srgbClr val="000000"/>
                   </a:solidFill>
@@ -2673,7 +2673,7 @@
             </a:ln>
             <a:extLst>
               <a:ext uri="{91240B29-F687-4f45-9708-019B960494DF}">
-                <a14:hiddenLine xmlns="" xmlns:a14="http://schemas.microsoft.com/office/drawing/2010/main" w="9525">
+                <a14:hiddenLine xmlns:a14="http://schemas.microsoft.com/office/drawing/2010/main" xmlns="" w="9525">
                   <a:solidFill>
                     <a:srgbClr val="000000"/>
                   </a:solidFill>
@@ -2741,7 +2741,7 @@
             </a:ln>
             <a:extLst>
               <a:ext uri="{91240B29-F687-4f45-9708-019B960494DF}">
-                <a14:hiddenLine xmlns="" xmlns:a14="http://schemas.microsoft.com/office/drawing/2010/main" w="9525">
+                <a14:hiddenLine xmlns:a14="http://schemas.microsoft.com/office/drawing/2010/main" xmlns="" w="9525">
                   <a:solidFill>
                     <a:srgbClr val="000000"/>
                   </a:solidFill>
@@ -2803,7 +2803,7 @@
             </a:ln>
             <a:extLst>
               <a:ext uri="{91240B29-F687-4f45-9708-019B960494DF}">
-                <a14:hiddenLine xmlns="" xmlns:a14="http://schemas.microsoft.com/office/drawing/2010/main" w="9525">
+                <a14:hiddenLine xmlns:a14="http://schemas.microsoft.com/office/drawing/2010/main" xmlns="" w="9525">
                   <a:solidFill>
                     <a:srgbClr val="000000"/>
                   </a:solidFill>
@@ -2893,7 +2893,7 @@
             </a:ln>
             <a:extLst>
               <a:ext uri="{91240B29-F687-4f45-9708-019B960494DF}">
-                <a14:hiddenLine xmlns="" xmlns:a14="http://schemas.microsoft.com/office/drawing/2010/main" w="9525">
+                <a14:hiddenLine xmlns:a14="http://schemas.microsoft.com/office/drawing/2010/main" xmlns="" w="9525">
                   <a:solidFill>
                     <a:srgbClr val="000000"/>
                   </a:solidFill>
@@ -2955,7 +2955,7 @@
             </a:ln>
             <a:extLst>
               <a:ext uri="{91240B29-F687-4f45-9708-019B960494DF}">
-                <a14:hiddenLine xmlns="" xmlns:a14="http://schemas.microsoft.com/office/drawing/2010/main" w="9525">
+                <a14:hiddenLine xmlns:a14="http://schemas.microsoft.com/office/drawing/2010/main" xmlns="" w="9525">
                   <a:solidFill>
                     <a:srgbClr val="000000"/>
                   </a:solidFill>
@@ -3045,7 +3045,7 @@
             </a:ln>
             <a:extLst>
               <a:ext uri="{91240B29-F687-4f45-9708-019B960494DF}">
-                <a14:hiddenLine xmlns="" xmlns:a14="http://schemas.microsoft.com/office/drawing/2010/main" w="9525">
+                <a14:hiddenLine xmlns:a14="http://schemas.microsoft.com/office/drawing/2010/main" xmlns="" w="9525">
                   <a:solidFill>
                     <a:srgbClr val="000000"/>
                   </a:solidFill>
@@ -3107,7 +3107,7 @@
             </a:ln>
             <a:extLst>
               <a:ext uri="{91240B29-F687-4f45-9708-019B960494DF}">
-                <a14:hiddenLine xmlns="" xmlns:a14="http://schemas.microsoft.com/office/drawing/2010/main" w="9525">
+                <a14:hiddenLine xmlns:a14="http://schemas.microsoft.com/office/drawing/2010/main" xmlns="" w="9525">
                   <a:solidFill>
                     <a:srgbClr val="000000"/>
                   </a:solidFill>
@@ -3197,7 +3197,7 @@
             </a:ln>
             <a:extLst>
               <a:ext uri="{91240B29-F687-4f45-9708-019B960494DF}">
-                <a14:hiddenLine xmlns="" xmlns:a14="http://schemas.microsoft.com/office/drawing/2010/main" w="9525">
+                <a14:hiddenLine xmlns:a14="http://schemas.microsoft.com/office/drawing/2010/main" xmlns="" w="9525">
                   <a:solidFill>
                     <a:srgbClr val="000000"/>
                   </a:solidFill>
@@ -3231,7 +3231,7 @@
             </a:ln>
             <a:extLst>
               <a:ext uri="{91240B29-F687-4f45-9708-019B960494DF}">
-                <a14:hiddenLine xmlns="" xmlns:a14="http://schemas.microsoft.com/office/drawing/2010/main" w="9525">
+                <a14:hiddenLine xmlns:a14="http://schemas.microsoft.com/office/drawing/2010/main" xmlns="" w="9525">
                   <a:solidFill>
                     <a:srgbClr val="000000"/>
                   </a:solidFill>
@@ -3296,7 +3296,7 @@
             </a:ln>
             <a:extLst>
               <a:ext uri="{91240B29-F687-4f45-9708-019B960494DF}">
-                <a14:hiddenLine xmlns="" xmlns:a14="http://schemas.microsoft.com/office/drawing/2010/main" w="9525">
+                <a14:hiddenLine xmlns:a14="http://schemas.microsoft.com/office/drawing/2010/main" xmlns="" w="9525">
                   <a:solidFill>
                     <a:srgbClr val="000000"/>
                   </a:solidFill>
@@ -3386,7 +3386,7 @@
             </a:ln>
             <a:extLst>
               <a:ext uri="{91240B29-F687-4f45-9708-019B960494DF}">
-                <a14:hiddenLine xmlns="" xmlns:a14="http://schemas.microsoft.com/office/drawing/2010/main" w="9525">
+                <a14:hiddenLine xmlns:a14="http://schemas.microsoft.com/office/drawing/2010/main" xmlns="" w="9525">
                   <a:solidFill>
                     <a:srgbClr val="000000"/>
                   </a:solidFill>
@@ -3448,7 +3448,7 @@
             </a:ln>
             <a:extLst>
               <a:ext uri="{91240B29-F687-4f45-9708-019B960494DF}">
-                <a14:hiddenLine xmlns="" xmlns:a14="http://schemas.microsoft.com/office/drawing/2010/main" w="9525">
+                <a14:hiddenLine xmlns:a14="http://schemas.microsoft.com/office/drawing/2010/main" xmlns="" w="9525">
                   <a:solidFill>
                     <a:srgbClr val="000000"/>
                   </a:solidFill>
@@ -3538,7 +3538,7 @@
             </a:ln>
             <a:extLst>
               <a:ext uri="{91240B29-F687-4f45-9708-019B960494DF}">
-                <a14:hiddenLine xmlns="" xmlns:a14="http://schemas.microsoft.com/office/drawing/2010/main" w="9525">
+                <a14:hiddenLine xmlns:a14="http://schemas.microsoft.com/office/drawing/2010/main" xmlns="" w="9525">
                   <a:solidFill>
                     <a:srgbClr val="000000"/>
                   </a:solidFill>
@@ -3628,7 +3628,7 @@
             </a:ln>
             <a:extLst>
               <a:ext uri="{91240B29-F687-4f45-9708-019B960494DF}">
-                <a14:hiddenLine xmlns="" xmlns:a14="http://schemas.microsoft.com/office/drawing/2010/main" w="9525">
+                <a14:hiddenLine xmlns:a14="http://schemas.microsoft.com/office/drawing/2010/main" xmlns="" w="9525">
                   <a:solidFill>
                     <a:srgbClr val="000000"/>
                   </a:solidFill>
@@ -3693,7 +3693,7 @@
             </a:ln>
             <a:extLst>
               <a:ext uri="{91240B29-F687-4f45-9708-019B960494DF}">
-                <a14:hiddenLine xmlns="" xmlns:a14="http://schemas.microsoft.com/office/drawing/2010/main" w="9525">
+                <a14:hiddenLine xmlns:a14="http://schemas.microsoft.com/office/drawing/2010/main" xmlns="" w="9525">
                   <a:solidFill>
                     <a:srgbClr val="000000"/>
                   </a:solidFill>
@@ -3755,7 +3755,7 @@
             </a:ln>
             <a:extLst>
               <a:ext uri="{91240B29-F687-4f45-9708-019B960494DF}">
-                <a14:hiddenLine xmlns="" xmlns:a14="http://schemas.microsoft.com/office/drawing/2010/main" w="9525">
+                <a14:hiddenLine xmlns:a14="http://schemas.microsoft.com/office/drawing/2010/main" xmlns="" w="9525">
                   <a:solidFill>
                     <a:srgbClr val="000000"/>
                   </a:solidFill>
@@ -3845,7 +3845,7 @@
             </a:ln>
             <a:extLst>
               <a:ext uri="{91240B29-F687-4f45-9708-019B960494DF}">
-                <a14:hiddenLine xmlns="" xmlns:a14="http://schemas.microsoft.com/office/drawing/2010/main" w="9525">
+                <a14:hiddenLine xmlns:a14="http://schemas.microsoft.com/office/drawing/2010/main" xmlns="" w="9525">
                   <a:solidFill>
                     <a:srgbClr val="000000"/>
                   </a:solidFill>
@@ -3935,7 +3935,7 @@
             </a:ln>
             <a:extLst>
               <a:ext uri="{91240B29-F687-4f45-9708-019B960494DF}">
-                <a14:hiddenLine xmlns="" xmlns:a14="http://schemas.microsoft.com/office/drawing/2010/main" w="9525">
+                <a14:hiddenLine xmlns:a14="http://schemas.microsoft.com/office/drawing/2010/main" xmlns="" w="9525">
                   <a:solidFill>
                     <a:srgbClr val="000000"/>
                   </a:solidFill>
@@ -3997,7 +3997,7 @@
             </a:ln>
             <a:extLst>
               <a:ext uri="{91240B29-F687-4f45-9708-019B960494DF}">
-                <a14:hiddenLine xmlns="" xmlns:a14="http://schemas.microsoft.com/office/drawing/2010/main" w="9525">
+                <a14:hiddenLine xmlns:a14="http://schemas.microsoft.com/office/drawing/2010/main" xmlns="" w="9525">
                   <a:solidFill>
                     <a:srgbClr val="000000"/>
                   </a:solidFill>
@@ -4117,7 +4117,7 @@
             </a:ln>
             <a:extLst>
               <a:ext uri="{91240B29-F687-4f45-9708-019B960494DF}">
-                <a14:hiddenLine xmlns="" xmlns:a14="http://schemas.microsoft.com/office/drawing/2010/main" w="9525">
+                <a14:hiddenLine xmlns:a14="http://schemas.microsoft.com/office/drawing/2010/main" xmlns="" w="9525">
                   <a:solidFill>
                     <a:srgbClr val="000000"/>
                   </a:solidFill>
@@ -4185,7 +4185,7 @@
             </a:ln>
             <a:extLst>
               <a:ext uri="{91240B29-F687-4f45-9708-019B960494DF}">
-                <a14:hiddenLine xmlns="" xmlns:a14="http://schemas.microsoft.com/office/drawing/2010/main" w="9525">
+                <a14:hiddenLine xmlns:a14="http://schemas.microsoft.com/office/drawing/2010/main" xmlns="" w="9525">
                   <a:solidFill>
                     <a:srgbClr val="000000"/>
                   </a:solidFill>
@@ -4275,7 +4275,7 @@
             </a:ln>
             <a:extLst>
               <a:ext uri="{91240B29-F687-4f45-9708-019B960494DF}">
-                <a14:hiddenLine xmlns="" xmlns:a14="http://schemas.microsoft.com/office/drawing/2010/main" w="9525">
+                <a14:hiddenLine xmlns:a14="http://schemas.microsoft.com/office/drawing/2010/main" xmlns="" w="9525">
                   <a:solidFill>
                     <a:srgbClr val="000000"/>
                   </a:solidFill>
@@ -9004,7 +9004,7 @@
           <a:noFill/>
           <a:extLst>
             <a:ext uri="{909E8E84-426E-40dd-AFC4-6F175D3DCCD1}">
-              <a14:hiddenFill xmlns="" xmlns:a14="http://schemas.microsoft.com/office/drawing/2010/main">
+              <a14:hiddenFill xmlns:a14="http://schemas.microsoft.com/office/drawing/2010/main" xmlns="">
                 <a:solidFill>
                   <a:srgbClr val="FFFFFF"/>
                 </a:solidFill>
@@ -9078,7 +9078,7 @@
               </a:ln>
               <a:extLst>
                 <a:ext uri="{91240B29-F687-4f45-9708-019B960494DF}">
-                  <a14:hiddenLine xmlns="" xmlns:a14="http://schemas.microsoft.com/office/drawing/2010/main" w="9525">
+                  <a14:hiddenLine xmlns:a14="http://schemas.microsoft.com/office/drawing/2010/main" xmlns="" w="9525">
                     <a:solidFill>
                       <a:srgbClr val="000000"/>
                     </a:solidFill>
@@ -9168,7 +9168,7 @@
               </a:ln>
               <a:extLst>
                 <a:ext uri="{91240B29-F687-4f45-9708-019B960494DF}">
-                  <a14:hiddenLine xmlns="" xmlns:a14="http://schemas.microsoft.com/office/drawing/2010/main" w="9525">
+                  <a14:hiddenLine xmlns:a14="http://schemas.microsoft.com/office/drawing/2010/main" xmlns="" w="9525">
                     <a:solidFill>
                       <a:srgbClr val="000000"/>
                     </a:solidFill>
@@ -9258,7 +9258,7 @@
               </a:ln>
               <a:extLst>
                 <a:ext uri="{91240B29-F687-4f45-9708-019B960494DF}">
-                  <a14:hiddenLine xmlns="" xmlns:a14="http://schemas.microsoft.com/office/drawing/2010/main" w="9525">
+                  <a14:hiddenLine xmlns:a14="http://schemas.microsoft.com/office/drawing/2010/main" xmlns="" w="9525">
                     <a:solidFill>
                       <a:srgbClr val="000000"/>
                     </a:solidFill>
@@ -9320,7 +9320,7 @@
               </a:ln>
               <a:extLst>
                 <a:ext uri="{91240B29-F687-4f45-9708-019B960494DF}">
-                  <a14:hiddenLine xmlns="" xmlns:a14="http://schemas.microsoft.com/office/drawing/2010/main" w="9525">
+                  <a14:hiddenLine xmlns:a14="http://schemas.microsoft.com/office/drawing/2010/main" xmlns="" w="9525">
                     <a:solidFill>
                       <a:srgbClr val="000000"/>
                     </a:solidFill>
@@ -9410,7 +9410,7 @@
               </a:ln>
               <a:extLst>
                 <a:ext uri="{91240B29-F687-4f45-9708-019B960494DF}">
-                  <a14:hiddenLine xmlns="" xmlns:a14="http://schemas.microsoft.com/office/drawing/2010/main" w="9525">
+                  <a14:hiddenLine xmlns:a14="http://schemas.microsoft.com/office/drawing/2010/main" xmlns="" w="9525">
                     <a:solidFill>
                       <a:srgbClr val="000000"/>
                     </a:solidFill>
@@ -9472,7 +9472,7 @@
               </a:ln>
               <a:extLst>
                 <a:ext uri="{91240B29-F687-4f45-9708-019B960494DF}">
-                  <a14:hiddenLine xmlns="" xmlns:a14="http://schemas.microsoft.com/office/drawing/2010/main" w="9525">
+                  <a14:hiddenLine xmlns:a14="http://schemas.microsoft.com/office/drawing/2010/main" xmlns="" w="9525">
                     <a:solidFill>
                       <a:srgbClr val="000000"/>
                     </a:solidFill>
@@ -9534,7 +9534,7 @@
               </a:ln>
               <a:extLst>
                 <a:ext uri="{91240B29-F687-4f45-9708-019B960494DF}">
-                  <a14:hiddenLine xmlns="" xmlns:a14="http://schemas.microsoft.com/office/drawing/2010/main" w="9525">
+                  <a14:hiddenLine xmlns:a14="http://schemas.microsoft.com/office/drawing/2010/main" xmlns="" w="9525">
                     <a:solidFill>
                       <a:srgbClr val="000000"/>
                     </a:solidFill>
@@ -9624,7 +9624,7 @@
               </a:ln>
               <a:extLst>
                 <a:ext uri="{91240B29-F687-4f45-9708-019B960494DF}">
-                  <a14:hiddenLine xmlns="" xmlns:a14="http://schemas.microsoft.com/office/drawing/2010/main" w="9525">
+                  <a14:hiddenLine xmlns:a14="http://schemas.microsoft.com/office/drawing/2010/main" xmlns="" w="9525">
                     <a:solidFill>
                       <a:srgbClr val="000000"/>
                     </a:solidFill>
@@ -9714,7 +9714,7 @@
               </a:ln>
               <a:extLst>
                 <a:ext uri="{91240B29-F687-4f45-9708-019B960494DF}">
-                  <a14:hiddenLine xmlns="" xmlns:a14="http://schemas.microsoft.com/office/drawing/2010/main" w="9525">
+                  <a14:hiddenLine xmlns:a14="http://schemas.microsoft.com/office/drawing/2010/main" xmlns="" w="9525">
                     <a:solidFill>
                       <a:srgbClr val="000000"/>
                     </a:solidFill>
@@ -9776,7 +9776,7 @@
               </a:ln>
               <a:extLst>
                 <a:ext uri="{91240B29-F687-4f45-9708-019B960494DF}">
-                  <a14:hiddenLine xmlns="" xmlns:a14="http://schemas.microsoft.com/office/drawing/2010/main" w="9525">
+                  <a14:hiddenLine xmlns:a14="http://schemas.microsoft.com/office/drawing/2010/main" xmlns="" w="9525">
                     <a:solidFill>
                       <a:srgbClr val="000000"/>
                     </a:solidFill>
@@ -9886,7 +9886,7 @@
               </a:ln>
               <a:extLst>
                 <a:ext uri="{91240B29-F687-4f45-9708-019B960494DF}">
-                  <a14:hiddenLine xmlns="" xmlns:a14="http://schemas.microsoft.com/office/drawing/2010/main" w="9525">
+                  <a14:hiddenLine xmlns:a14="http://schemas.microsoft.com/office/drawing/2010/main" xmlns="" w="9525">
                     <a:solidFill>
                       <a:srgbClr val="000000"/>
                     </a:solidFill>
@@ -9970,7 +9970,7 @@
               </a:ln>
               <a:extLst>
                 <a:ext uri="{91240B29-F687-4f45-9708-019B960494DF}">
-                  <a14:hiddenLine xmlns="" xmlns:a14="http://schemas.microsoft.com/office/drawing/2010/main" w="9525">
+                  <a14:hiddenLine xmlns:a14="http://schemas.microsoft.com/office/drawing/2010/main" xmlns="" w="9525">
                     <a:solidFill>
                       <a:srgbClr val="000000"/>
                     </a:solidFill>
@@ -10032,7 +10032,7 @@
               </a:ln>
               <a:extLst>
                 <a:ext uri="{91240B29-F687-4f45-9708-019B960494DF}">
-                  <a14:hiddenLine xmlns="" xmlns:a14="http://schemas.microsoft.com/office/drawing/2010/main" w="9525">
+                  <a14:hiddenLine xmlns:a14="http://schemas.microsoft.com/office/drawing/2010/main" xmlns="" w="9525">
                     <a:solidFill>
                       <a:srgbClr val="000000"/>
                     </a:solidFill>
@@ -10094,7 +10094,7 @@
               </a:ln>
               <a:extLst>
                 <a:ext uri="{91240B29-F687-4f45-9708-019B960494DF}">
-                  <a14:hiddenLine xmlns="" xmlns:a14="http://schemas.microsoft.com/office/drawing/2010/main" w="9525">
+                  <a14:hiddenLine xmlns:a14="http://schemas.microsoft.com/office/drawing/2010/main" xmlns="" w="9525">
                     <a:solidFill>
                       <a:srgbClr val="000000"/>
                     </a:solidFill>
@@ -10184,7 +10184,7 @@
               </a:ln>
               <a:extLst>
                 <a:ext uri="{91240B29-F687-4f45-9708-019B960494DF}">
-                  <a14:hiddenLine xmlns="" xmlns:a14="http://schemas.microsoft.com/office/drawing/2010/main" w="9525">
+                  <a14:hiddenLine xmlns:a14="http://schemas.microsoft.com/office/drawing/2010/main" xmlns="" w="9525">
                     <a:solidFill>
                       <a:srgbClr val="000000"/>
                     </a:solidFill>
@@ -10218,7 +10218,7 @@
               </a:ln>
               <a:extLst>
                 <a:ext uri="{91240B29-F687-4f45-9708-019B960494DF}">
-                  <a14:hiddenLine xmlns="" xmlns:a14="http://schemas.microsoft.com/office/drawing/2010/main" w="9525">
+                  <a14:hiddenLine xmlns:a14="http://schemas.microsoft.com/office/drawing/2010/main" xmlns="" w="9525">
                     <a:solidFill>
                       <a:srgbClr val="000000"/>
                     </a:solidFill>
@@ -10283,7 +10283,7 @@
               </a:ln>
               <a:extLst>
                 <a:ext uri="{91240B29-F687-4f45-9708-019B960494DF}">
-                  <a14:hiddenLine xmlns="" xmlns:a14="http://schemas.microsoft.com/office/drawing/2010/main" w="9525">
+                  <a14:hiddenLine xmlns:a14="http://schemas.microsoft.com/office/drawing/2010/main" xmlns="" w="9525">
                     <a:solidFill>
                       <a:srgbClr val="000000"/>
                     </a:solidFill>
@@ -10373,7 +10373,7 @@
               </a:ln>
               <a:extLst>
                 <a:ext uri="{91240B29-F687-4f45-9708-019B960494DF}">
-                  <a14:hiddenLine xmlns="" xmlns:a14="http://schemas.microsoft.com/office/drawing/2010/main" w="9525">
+                  <a14:hiddenLine xmlns:a14="http://schemas.microsoft.com/office/drawing/2010/main" xmlns="" w="9525">
                     <a:solidFill>
                       <a:srgbClr val="000000"/>
                     </a:solidFill>
@@ -10435,7 +10435,7 @@
               </a:ln>
               <a:extLst>
                 <a:ext uri="{91240B29-F687-4f45-9708-019B960494DF}">
-                  <a14:hiddenLine xmlns="" xmlns:a14="http://schemas.microsoft.com/office/drawing/2010/main" w="9525">
+                  <a14:hiddenLine xmlns:a14="http://schemas.microsoft.com/office/drawing/2010/main" xmlns="" w="9525">
                     <a:solidFill>
                       <a:srgbClr val="000000"/>
                     </a:solidFill>
@@ -10525,7 +10525,7 @@
               </a:ln>
               <a:extLst>
                 <a:ext uri="{91240B29-F687-4f45-9708-019B960494DF}">
-                  <a14:hiddenLine xmlns="" xmlns:a14="http://schemas.microsoft.com/office/drawing/2010/main" w="9525">
+                  <a14:hiddenLine xmlns:a14="http://schemas.microsoft.com/office/drawing/2010/main" xmlns="" w="9525">
                     <a:solidFill>
                       <a:srgbClr val="000000"/>
                     </a:solidFill>
@@ -10590,7 +10590,7 @@
               </a:ln>
               <a:extLst>
                 <a:ext uri="{91240B29-F687-4f45-9708-019B960494DF}">
-                  <a14:hiddenLine xmlns="" xmlns:a14="http://schemas.microsoft.com/office/drawing/2010/main" w="9525">
+                  <a14:hiddenLine xmlns:a14="http://schemas.microsoft.com/office/drawing/2010/main" xmlns="" w="9525">
                     <a:solidFill>
                       <a:srgbClr val="000000"/>
                     </a:solidFill>
@@ -10652,7 +10652,7 @@
               </a:ln>
               <a:extLst>
                 <a:ext uri="{91240B29-F687-4f45-9708-019B960494DF}">
-                  <a14:hiddenLine xmlns="" xmlns:a14="http://schemas.microsoft.com/office/drawing/2010/main" w="9525">
+                  <a14:hiddenLine xmlns:a14="http://schemas.microsoft.com/office/drawing/2010/main" xmlns="" w="9525">
                     <a:solidFill>
                       <a:srgbClr val="000000"/>
                     </a:solidFill>
@@ -10742,7 +10742,7 @@
               </a:ln>
               <a:extLst>
                 <a:ext uri="{91240B29-F687-4f45-9708-019B960494DF}">
-                  <a14:hiddenLine xmlns="" xmlns:a14="http://schemas.microsoft.com/office/drawing/2010/main" w="9525">
+                  <a14:hiddenLine xmlns:a14="http://schemas.microsoft.com/office/drawing/2010/main" xmlns="" w="9525">
                     <a:solidFill>
                       <a:srgbClr val="000000"/>
                     </a:solidFill>
@@ -10832,7 +10832,7 @@
               </a:ln>
               <a:extLst>
                 <a:ext uri="{91240B29-F687-4f45-9708-019B960494DF}">
-                  <a14:hiddenLine xmlns="" xmlns:a14="http://schemas.microsoft.com/office/drawing/2010/main" w="9525">
+                  <a14:hiddenLine xmlns:a14="http://schemas.microsoft.com/office/drawing/2010/main" xmlns="" w="9525">
                     <a:solidFill>
                       <a:srgbClr val="000000"/>
                     </a:solidFill>
@@ -10897,7 +10897,7 @@
               </a:ln>
               <a:extLst>
                 <a:ext uri="{91240B29-F687-4f45-9708-019B960494DF}">
-                  <a14:hiddenLine xmlns="" xmlns:a14="http://schemas.microsoft.com/office/drawing/2010/main" w="9525">
+                  <a14:hiddenLine xmlns:a14="http://schemas.microsoft.com/office/drawing/2010/main" xmlns="" w="9525">
                     <a:solidFill>
                       <a:srgbClr val="000000"/>
                     </a:solidFill>
@@ -11017,7 +11017,7 @@
               </a:ln>
               <a:extLst>
                 <a:ext uri="{91240B29-F687-4f45-9708-019B960494DF}">
-                  <a14:hiddenLine xmlns="" xmlns:a14="http://schemas.microsoft.com/office/drawing/2010/main" w="9525">
+                  <a14:hiddenLine xmlns:a14="http://schemas.microsoft.com/office/drawing/2010/main" xmlns="" w="9525">
                     <a:solidFill>
                       <a:srgbClr val="000000"/>
                     </a:solidFill>
@@ -11098,7 +11098,7 @@
               </a:ln>
               <a:extLst>
                 <a:ext uri="{91240B29-F687-4f45-9708-019B960494DF}">
-                  <a14:hiddenLine xmlns="" xmlns:a14="http://schemas.microsoft.com/office/drawing/2010/main" w="9525">
+                  <a14:hiddenLine xmlns:a14="http://schemas.microsoft.com/office/drawing/2010/main" xmlns="" w="9525">
                     <a:solidFill>
                       <a:srgbClr val="000000"/>
                     </a:solidFill>
@@ -11213,7 +11213,7 @@
               </a:ln>
               <a:extLst>
                 <a:ext uri="{91240B29-F687-4f45-9708-019B960494DF}">
-                  <a14:hiddenLine xmlns="" xmlns:a14="http://schemas.microsoft.com/office/drawing/2010/main" w="9525">
+                  <a14:hiddenLine xmlns:a14="http://schemas.microsoft.com/office/drawing/2010/main" xmlns="" w="9525">
                     <a:solidFill>
                       <a:srgbClr val="000000"/>
                     </a:solidFill>
@@ -11303,7 +11303,7 @@
               </a:ln>
               <a:extLst>
                 <a:ext uri="{91240B29-F687-4f45-9708-019B960494DF}">
-                  <a14:hiddenLine xmlns="" xmlns:a14="http://schemas.microsoft.com/office/drawing/2010/main" w="9525">
+                  <a14:hiddenLine xmlns:a14="http://schemas.microsoft.com/office/drawing/2010/main" xmlns="" w="9525">
                     <a:solidFill>
                       <a:srgbClr val="000000"/>
                     </a:solidFill>
@@ -11368,7 +11368,7 @@
               </a:ln>
               <a:extLst>
                 <a:ext uri="{91240B29-F687-4f45-9708-019B960494DF}">
-                  <a14:hiddenLine xmlns="" xmlns:a14="http://schemas.microsoft.com/office/drawing/2010/main" w="9525">
+                  <a14:hiddenLine xmlns:a14="http://schemas.microsoft.com/office/drawing/2010/main" xmlns="" w="9525">
                     <a:solidFill>
                       <a:srgbClr val="000000"/>
                     </a:solidFill>
@@ -11458,7 +11458,7 @@
               </a:ln>
               <a:extLst>
                 <a:ext uri="{91240B29-F687-4f45-9708-019B960494DF}">
-                  <a14:hiddenLine xmlns="" xmlns:a14="http://schemas.microsoft.com/office/drawing/2010/main" w="9525">
+                  <a14:hiddenLine xmlns:a14="http://schemas.microsoft.com/office/drawing/2010/main" xmlns="" w="9525">
                     <a:solidFill>
                       <a:srgbClr val="000000"/>
                     </a:solidFill>
@@ -11526,7 +11526,7 @@
               </a:ln>
               <a:extLst>
                 <a:ext uri="{91240B29-F687-4f45-9708-019B960494DF}">
-                  <a14:hiddenLine xmlns="" xmlns:a14="http://schemas.microsoft.com/office/drawing/2010/main" w="9525">
+                  <a14:hiddenLine xmlns:a14="http://schemas.microsoft.com/office/drawing/2010/main" xmlns="" w="9525">
                     <a:solidFill>
                       <a:srgbClr val="000000"/>
                     </a:solidFill>
@@ -11616,7 +11616,7 @@
               </a:ln>
               <a:extLst>
                 <a:ext uri="{91240B29-F687-4f45-9708-019B960494DF}">
-                  <a14:hiddenLine xmlns="" xmlns:a14="http://schemas.microsoft.com/office/drawing/2010/main" w="9525">
+                  <a14:hiddenLine xmlns:a14="http://schemas.microsoft.com/office/drawing/2010/main" xmlns="" w="9525">
                     <a:solidFill>
                       <a:srgbClr val="000000"/>
                     </a:solidFill>
@@ -11684,7 +11684,7 @@
               </a:ln>
               <a:extLst>
                 <a:ext uri="{91240B29-F687-4f45-9708-019B960494DF}">
-                  <a14:hiddenLine xmlns="" xmlns:a14="http://schemas.microsoft.com/office/drawing/2010/main" w="9525">
+                  <a14:hiddenLine xmlns:a14="http://schemas.microsoft.com/office/drawing/2010/main" xmlns="" w="9525">
                     <a:solidFill>
                       <a:srgbClr val="000000"/>
                     </a:solidFill>
@@ -11774,7 +11774,7 @@
               </a:ln>
               <a:extLst>
                 <a:ext uri="{91240B29-F687-4f45-9708-019B960494DF}">
-                  <a14:hiddenLine xmlns="" xmlns:a14="http://schemas.microsoft.com/office/drawing/2010/main" w="9525">
+                  <a14:hiddenLine xmlns:a14="http://schemas.microsoft.com/office/drawing/2010/main" xmlns="" w="9525">
                     <a:solidFill>
                       <a:srgbClr val="000000"/>
                     </a:solidFill>
@@ -11808,7 +11808,7 @@
               </a:ln>
               <a:extLst>
                 <a:ext uri="{91240B29-F687-4f45-9708-019B960494DF}">
-                  <a14:hiddenLine xmlns="" xmlns:a14="http://schemas.microsoft.com/office/drawing/2010/main" w="9525">
+                  <a14:hiddenLine xmlns:a14="http://schemas.microsoft.com/office/drawing/2010/main" xmlns="" w="9525">
                     <a:solidFill>
                       <a:srgbClr val="000000"/>
                     </a:solidFill>
@@ -12610,1068 +12610,6 @@
           <a:p>
             <a:r>
               <a:rPr lang="en-US" dirty="0"/>
-              <a:t>X-Feature Inputs:					K Neighbors: 39</a:t>
-            </a:r>
-          </a:p>
-          <a:p>
-            <a:r>
-              <a:rPr lang="en-US" sz="1100" dirty="0"/>
-              <a:t>				</a:t>
-            </a:r>
-          </a:p>
-          <a:p>
-            <a:pPr marL="628650" lvl="1" indent="-171450">
-              <a:buFontTx/>
-              <a:buChar char="-"/>
-            </a:pPr>
-            <a:r>
-              <a:rPr lang="en-US" sz="1000" b="1" dirty="0"/>
-              <a:t>12WMA%12EMA</a:t>
-            </a:r>
-            <a:r>
-              <a:rPr lang="en-US" sz="1000" b="1" dirty="0">
-                <a:solidFill>
-                  <a:schemeClr val="tx1">
-                    <a:lumMod val="50000"/>
-                  </a:schemeClr>
-                </a:solidFill>
-              </a:rPr>
-              <a:t>		</a:t>
-            </a:r>
-          </a:p>
-          <a:p>
-            <a:pPr marL="628650" lvl="1" indent="-171450">
-              <a:buFontTx/>
-              <a:buChar char="-"/>
-            </a:pPr>
-            <a:r>
-              <a:rPr lang="en-US" sz="1000" b="1" dirty="0">
-                <a:solidFill>
-                  <a:schemeClr val="tx1">
-                    <a:lumMod val="50000"/>
-                  </a:schemeClr>
-                </a:solidFill>
-              </a:rPr>
-              <a:t>12WMA%26EMA		</a:t>
-            </a:r>
-          </a:p>
-          <a:p>
-            <a:pPr marL="628650" lvl="1" indent="-171450">
-              <a:buFontTx/>
-              <a:buChar char="-"/>
-            </a:pPr>
-            <a:r>
-              <a:rPr lang="en-US" sz="1000" b="1" dirty="0">
-                <a:solidFill>
-                  <a:schemeClr val="tx1">
-                    <a:lumMod val="50000"/>
-                  </a:schemeClr>
-                </a:solidFill>
-              </a:rPr>
-              <a:t>12EMA%26EMA		</a:t>
-            </a:r>
-          </a:p>
-          <a:p>
-            <a:pPr marL="628650" lvl="1" indent="-171450">
-              <a:buFontTx/>
-              <a:buChar char="-"/>
-            </a:pPr>
-            <a:r>
-              <a:rPr lang="en-US" sz="1000" b="1" dirty="0"/>
-              <a:t>50SMA%100SMA</a:t>
-            </a:r>
-            <a:r>
-              <a:rPr lang="en-US" sz="1000" b="1" dirty="0">
-                <a:solidFill>
-                  <a:schemeClr val="tx1">
-                    <a:lumMod val="50000"/>
-                  </a:schemeClr>
-                </a:solidFill>
-              </a:rPr>
-              <a:t>		</a:t>
-            </a:r>
-          </a:p>
-          <a:p>
-            <a:pPr marL="628650" lvl="1" indent="-171450">
-              <a:buFontTx/>
-              <a:buChar char="-"/>
-            </a:pPr>
-            <a:r>
-              <a:rPr lang="en-US" sz="1000" b="1" dirty="0">
-                <a:solidFill>
-                  <a:schemeClr val="tx1">
-                    <a:lumMod val="50000"/>
-                  </a:schemeClr>
-                </a:solidFill>
-              </a:rPr>
-              <a:t>50SMA%200SMA		</a:t>
-            </a:r>
-          </a:p>
-          <a:p>
-            <a:pPr marL="628650" lvl="1" indent="-171450">
-              <a:buFontTx/>
-              <a:buChar char="-"/>
-            </a:pPr>
-            <a:r>
-              <a:rPr lang="en-US" sz="1000" b="1" dirty="0">
-                <a:solidFill>
-                  <a:schemeClr val="tx1">
-                    <a:lumMod val="50000"/>
-                  </a:schemeClr>
-                </a:solidFill>
-              </a:rPr>
-              <a:t>100SMA%200SMA	</a:t>
-            </a:r>
-            <a:r>
-              <a:rPr lang="en-US" sz="1000" b="1" dirty="0"/>
-              <a:t>	</a:t>
-            </a:r>
-          </a:p>
-          <a:p>
-            <a:pPr marL="628650" lvl="1" indent="-171450">
-              <a:buFontTx/>
-              <a:buChar char="-"/>
-            </a:pPr>
-            <a:r>
-              <a:rPr lang="en-US" sz="1000" b="1" dirty="0"/>
-              <a:t>RSI				</a:t>
-            </a:r>
-          </a:p>
-          <a:p>
-            <a:pPr marL="628650" lvl="1" indent="-171450">
-              <a:buFontTx/>
-              <a:buChar char="-"/>
-            </a:pPr>
-            <a:r>
-              <a:rPr lang="en-US" sz="1000" b="1" dirty="0"/>
-              <a:t>SP500 </a:t>
-            </a:r>
-            <a:r>
-              <a:rPr lang="en-US" sz="1000" b="1" dirty="0" err="1"/>
-              <a:t>corr</a:t>
-            </a:r>
-            <a:r>
-              <a:rPr lang="en-US" sz="1000" b="1" dirty="0"/>
-              <a:t> 6Mo-3Mo % Ret</a:t>
-            </a:r>
-          </a:p>
-          <a:p>
-            <a:pPr marL="628650" lvl="1" indent="-171450">
-              <a:buFontTx/>
-              <a:buChar char="-"/>
-            </a:pPr>
-            <a:r>
-              <a:rPr lang="en-US" sz="1000" b="1" dirty="0" err="1"/>
-              <a:t>Div</a:t>
-            </a:r>
-            <a:r>
-              <a:rPr lang="en-US" sz="1000" b="1" dirty="0"/>
-              <a:t>/10Yr-2Yr</a:t>
-            </a:r>
-          </a:p>
-          <a:p>
-            <a:pPr marL="628650" lvl="1" indent="-171450">
-              <a:buFontTx/>
-              <a:buChar char="-"/>
-            </a:pPr>
-            <a:r>
-              <a:rPr lang="en-US" sz="1000" b="1" dirty="0"/>
-              <a:t>SP500%12WMA</a:t>
-            </a:r>
-          </a:p>
-          <a:p>
-            <a:pPr marL="628650" lvl="1" indent="-171450">
-              <a:buFontTx/>
-              <a:buChar char="-"/>
-            </a:pPr>
-            <a:r>
-              <a:rPr lang="en-US" sz="1000" b="1" dirty="0">
-                <a:solidFill>
-                  <a:schemeClr val="tx1">
-                    <a:lumMod val="50000"/>
-                  </a:schemeClr>
-                </a:solidFill>
-              </a:rPr>
-              <a:t>SP500%12EMA</a:t>
-            </a:r>
-          </a:p>
-          <a:p>
-            <a:pPr marL="628650" lvl="1" indent="-171450">
-              <a:buFontTx/>
-              <a:buChar char="-"/>
-            </a:pPr>
-            <a:r>
-              <a:rPr lang="en-US" sz="1000" b="1" dirty="0">
-                <a:solidFill>
-                  <a:schemeClr val="tx1">
-                    <a:lumMod val="50000"/>
-                  </a:schemeClr>
-                </a:solidFill>
-              </a:rPr>
-              <a:t>SP500%26EMA</a:t>
-            </a:r>
-          </a:p>
-          <a:p>
-            <a:pPr marL="628650" lvl="1" indent="-171450">
-              <a:buFontTx/>
-              <a:buChar char="-"/>
-            </a:pPr>
-            <a:r>
-              <a:rPr lang="en-US" sz="1000" b="1" dirty="0">
-                <a:solidFill>
-                  <a:schemeClr val="tx1">
-                    <a:lumMod val="50000"/>
-                  </a:schemeClr>
-                </a:solidFill>
-              </a:rPr>
-              <a:t>SP500%50SMA</a:t>
-            </a:r>
-          </a:p>
-          <a:p>
-            <a:pPr marL="628650" lvl="1" indent="-171450">
-              <a:buFontTx/>
-              <a:buChar char="-"/>
-            </a:pPr>
-            <a:r>
-              <a:rPr lang="en-US" sz="1000" b="1" dirty="0">
-                <a:solidFill>
-                  <a:schemeClr val="tx1">
-                    <a:lumMod val="50000"/>
-                  </a:schemeClr>
-                </a:solidFill>
-              </a:rPr>
-              <a:t>SP500%100SMA</a:t>
-            </a:r>
-          </a:p>
-          <a:p>
-            <a:pPr marL="628650" lvl="1" indent="-171450">
-              <a:buFontTx/>
-              <a:buChar char="-"/>
-            </a:pPr>
-            <a:r>
-              <a:rPr lang="en-US" sz="1000" b="1" dirty="0">
-                <a:solidFill>
-                  <a:schemeClr val="tx1">
-                    <a:lumMod val="50000"/>
-                  </a:schemeClr>
-                </a:solidFill>
-              </a:rPr>
-              <a:t>SP500%200SMA</a:t>
-            </a:r>
-          </a:p>
-          <a:p>
-            <a:pPr marL="628650" lvl="1" indent="-171450">
-              <a:buFontTx/>
-              <a:buChar char="-"/>
-            </a:pPr>
-            <a:r>
-              <a:rPr lang="en-US" sz="1000" b="1" dirty="0"/>
-              <a:t>SP500%3Upper</a:t>
-            </a:r>
-          </a:p>
-          <a:p>
-            <a:pPr marL="628650" lvl="1" indent="-171450">
-              <a:buFontTx/>
-              <a:buChar char="-"/>
-            </a:pPr>
-            <a:r>
-              <a:rPr lang="en-US" sz="1000" b="1" dirty="0"/>
-              <a:t>SP500%2Upper</a:t>
-            </a:r>
-          </a:p>
-          <a:p>
-            <a:pPr marL="628650" lvl="1" indent="-171450">
-              <a:buFontTx/>
-              <a:buChar char="-"/>
-            </a:pPr>
-            <a:r>
-              <a:rPr lang="en-US" sz="1000" b="1" dirty="0"/>
-              <a:t>SP500%Middle20Day</a:t>
-            </a:r>
-          </a:p>
-          <a:p>
-            <a:pPr marL="628650" lvl="1" indent="-171450">
-              <a:buFontTx/>
-              <a:buChar char="-"/>
-            </a:pPr>
-            <a:r>
-              <a:rPr lang="en-US" sz="1000" b="1" dirty="0"/>
-              <a:t>SP500%2Lower</a:t>
-            </a:r>
-          </a:p>
-          <a:p>
-            <a:pPr marL="628650" lvl="1" indent="-171450">
-              <a:buFontTx/>
-              <a:buChar char="-"/>
-            </a:pPr>
-            <a:r>
-              <a:rPr lang="en-US" sz="1000" b="1" dirty="0"/>
-              <a:t>SP500%3Lower</a:t>
-            </a:r>
-          </a:p>
-        </p:txBody>
-      </p:sp>
-      <p:pic>
-        <p:nvPicPr>
-          <p:cNvPr id="3" name="Picture 2">
-            <a:extLst>
-              <a:ext uri="{FF2B5EF4-FFF2-40B4-BE49-F238E27FC236}">
-                <a16:creationId xmlns:a16="http://schemas.microsoft.com/office/drawing/2014/main" id="{88491A1C-EE7D-4F1D-A3DB-4AEB1BBC6071}"/>
-              </a:ext>
-            </a:extLst>
-          </p:cNvPr>
-          <p:cNvPicPr>
-            <a:picLocks noChangeAspect="1"/>
-          </p:cNvPicPr>
-          <p:nvPr/>
-        </p:nvPicPr>
-        <p:blipFill>
-          <a:blip r:embed="rId2"/>
-          <a:stretch>
-            <a:fillRect/>
-          </a:stretch>
-        </p:blipFill>
-        <p:spPr>
-          <a:xfrm>
-            <a:off x="2875543" y="3688539"/>
-            <a:ext cx="3718687" cy="2566423"/>
-          </a:xfrm>
-          <a:prstGeom prst="rect">
-            <a:avLst/>
-          </a:prstGeom>
-        </p:spPr>
-      </p:pic>
-      <p:pic>
-        <p:nvPicPr>
-          <p:cNvPr id="4" name="Picture 3">
-            <a:extLst>
-              <a:ext uri="{FF2B5EF4-FFF2-40B4-BE49-F238E27FC236}">
-                <a16:creationId xmlns:a16="http://schemas.microsoft.com/office/drawing/2014/main" id="{6FB63FFD-0DD8-4218-B4FE-B5AD04B8AB83}"/>
-              </a:ext>
-            </a:extLst>
-          </p:cNvPr>
-          <p:cNvPicPr>
-            <a:picLocks noChangeAspect="1"/>
-          </p:cNvPicPr>
-          <p:nvPr/>
-        </p:nvPicPr>
-        <p:blipFill>
-          <a:blip r:embed="rId3"/>
-          <a:stretch>
-            <a:fillRect/>
-          </a:stretch>
-        </p:blipFill>
-        <p:spPr>
-          <a:xfrm>
-            <a:off x="6896832" y="655846"/>
-            <a:ext cx="4990316" cy="5599116"/>
-          </a:xfrm>
-          <a:prstGeom prst="rect">
-            <a:avLst/>
-          </a:prstGeom>
-        </p:spPr>
-      </p:pic>
-      <p:pic>
-        <p:nvPicPr>
-          <p:cNvPr id="2" name="Picture 1">
-            <a:extLst>
-              <a:ext uri="{FF2B5EF4-FFF2-40B4-BE49-F238E27FC236}">
-                <a16:creationId xmlns:a16="http://schemas.microsoft.com/office/drawing/2014/main" id="{F2DD9E67-085F-4428-9061-638C598F7CB2}"/>
-              </a:ext>
-            </a:extLst>
-          </p:cNvPr>
-          <p:cNvPicPr>
-            <a:picLocks noChangeAspect="1"/>
-          </p:cNvPicPr>
-          <p:nvPr/>
-        </p:nvPicPr>
-        <p:blipFill>
-          <a:blip r:embed="rId4"/>
-          <a:stretch>
-            <a:fillRect/>
-          </a:stretch>
-        </p:blipFill>
-        <p:spPr>
-          <a:xfrm>
-            <a:off x="6939944" y="3945119"/>
-            <a:ext cx="818649" cy="973910"/>
-          </a:xfrm>
-          <a:prstGeom prst="rect">
-            <a:avLst/>
-          </a:prstGeom>
-        </p:spPr>
-      </p:pic>
-      <p:pic>
-        <p:nvPicPr>
-          <p:cNvPr id="8" name="Picture 7">
-            <a:extLst>
-              <a:ext uri="{FF2B5EF4-FFF2-40B4-BE49-F238E27FC236}">
-                <a16:creationId xmlns:a16="http://schemas.microsoft.com/office/drawing/2014/main" id="{BB71F5F9-3505-4C9C-9AC0-D539C09F8246}"/>
-              </a:ext>
-            </a:extLst>
-          </p:cNvPr>
-          <p:cNvPicPr>
-            <a:picLocks noChangeAspect="1"/>
-          </p:cNvPicPr>
-          <p:nvPr/>
-        </p:nvPicPr>
-        <p:blipFill>
-          <a:blip r:embed="rId5"/>
-          <a:stretch>
-            <a:fillRect/>
-          </a:stretch>
-        </p:blipFill>
-        <p:spPr>
-          <a:xfrm>
-            <a:off x="4754294" y="3938589"/>
-            <a:ext cx="1581150" cy="447675"/>
-          </a:xfrm>
-          <a:prstGeom prst="rect">
-            <a:avLst/>
-          </a:prstGeom>
-        </p:spPr>
-      </p:pic>
-    </p:spTree>
-    <p:extLst>
-      <p:ext uri="{BB962C8B-B14F-4D97-AF65-F5344CB8AC3E}">
-        <p14:creationId xmlns:p14="http://schemas.microsoft.com/office/powerpoint/2010/main" val="2327376559"/>
-      </p:ext>
-    </p:extLst>
-  </p:cSld>
-  <p:clrMapOvr>
-    <a:masterClrMapping/>
-  </p:clrMapOvr>
-  <mc:AlternateContent xmlns:mc="http://schemas.openxmlformats.org/markup-compatibility/2006" xmlns:p14="http://schemas.microsoft.com/office/powerpoint/2010/main">
-    <mc:Choice Requires="p14">
-      <p:transition p14:dur="10" advClick="0" advTm="500"/>
-    </mc:Choice>
-    <mc:Fallback xmlns="">
-      <p:transition advClick="0" advTm="500"/>
-    </mc:Fallback>
-  </mc:AlternateContent>
-</p:sld>
-</file>
-
-<file path=ppt/slides/slide11.xml><?xml version="1.0" encoding="utf-8"?>
-<p:sld xmlns:a="http://schemas.openxmlformats.org/drawingml/2006/main" xmlns:r="http://schemas.openxmlformats.org/officeDocument/2006/relationships" xmlns:p="http://schemas.openxmlformats.org/presentationml/2006/main">
-  <p:cSld>
-    <p:spTree>
-      <p:nvGrpSpPr>
-        <p:cNvPr id="1" name=""/>
-        <p:cNvGrpSpPr/>
-        <p:nvPr/>
-      </p:nvGrpSpPr>
-      <p:grpSpPr>
-        <a:xfrm>
-          <a:off x="0" y="0"/>
-          <a:ext cx="0" cy="0"/>
-          <a:chOff x="0" y="0"/>
-          <a:chExt cx="0" cy="0"/>
-        </a:xfrm>
-      </p:grpSpPr>
-      <p:sp>
-        <p:nvSpPr>
-          <p:cNvPr id="6" name="TextBox 5">
-            <a:extLst>
-              <a:ext uri="{FF2B5EF4-FFF2-40B4-BE49-F238E27FC236}">
-                <a16:creationId xmlns:a16="http://schemas.microsoft.com/office/drawing/2014/main" id="{DAB6C54A-3904-435D-98A4-BFAA06891B3F}"/>
-              </a:ext>
-            </a:extLst>
-          </p:cNvPr>
-          <p:cNvSpPr txBox="1"/>
-          <p:nvPr/>
-        </p:nvSpPr>
-        <p:spPr>
-          <a:xfrm>
-            <a:off x="280892" y="257509"/>
-            <a:ext cx="6615940" cy="6386364"/>
-          </a:xfrm>
-          <a:prstGeom prst="rect">
-            <a:avLst/>
-          </a:prstGeom>
-          <a:noFill/>
-        </p:spPr>
-        <p:txBody>
-          <a:bodyPr wrap="square" rtlCol="0">
-            <a:spAutoFit/>
-          </a:bodyPr>
-          <a:lstStyle/>
-          <a:p>
-            <a:r>
-              <a:rPr lang="en-US" dirty="0"/>
-              <a:t>Criteria:</a:t>
-            </a:r>
-          </a:p>
-          <a:p>
-            <a:r>
-              <a:rPr lang="en-US" dirty="0"/>
-              <a:t>S&amp;P 500 Day(s) Forward Return: 5</a:t>
-            </a:r>
-          </a:p>
-          <a:p>
-            <a:r>
-              <a:rPr lang="en-US" dirty="0"/>
-              <a:t>Number of Return Percentile Bins: 5</a:t>
-            </a:r>
-          </a:p>
-          <a:p>
-            <a:r>
-              <a:rPr lang="en-US" dirty="0"/>
-              <a:t>	1: Lowest 20% Returns	Below 	-1.47%</a:t>
-            </a:r>
-          </a:p>
-          <a:p>
-            <a:r>
-              <a:rPr lang="en-US" dirty="0"/>
-              <a:t>	2: 20% to 40%		Between 	-1.47% and -0.14%</a:t>
-            </a:r>
-          </a:p>
-          <a:p>
-            <a:r>
-              <a:rPr lang="en-US" dirty="0"/>
-              <a:t>	3: 40% to 60%		Between 	-0.14% and 0.72%</a:t>
-            </a:r>
-          </a:p>
-          <a:p>
-            <a:r>
-              <a:rPr lang="en-US" dirty="0"/>
-              <a:t>	4: 60% to 80%		Between 	 0.72% and 1.74%</a:t>
-            </a:r>
-          </a:p>
-          <a:p>
-            <a:r>
-              <a:rPr lang="en-US" dirty="0"/>
-              <a:t>	5: Highest 20% Returns	Above	 1.74%</a:t>
-            </a:r>
-          </a:p>
-          <a:p>
-            <a:endParaRPr lang="en-US" dirty="0"/>
-          </a:p>
-          <a:p>
-            <a:endParaRPr lang="en-US" dirty="0"/>
-          </a:p>
-          <a:p>
-            <a:r>
-              <a:rPr lang="en-US" dirty="0"/>
-              <a:t>X-Feature Inputs:					K Neighbors: 9</a:t>
-            </a:r>
-          </a:p>
-          <a:p>
-            <a:r>
-              <a:rPr lang="en-US" sz="1100" dirty="0"/>
-              <a:t>				</a:t>
-            </a:r>
-          </a:p>
-          <a:p>
-            <a:pPr marL="628650" lvl="1" indent="-171450">
-              <a:buFontTx/>
-              <a:buChar char="-"/>
-            </a:pPr>
-            <a:r>
-              <a:rPr lang="en-US" sz="1000" b="1" dirty="0"/>
-              <a:t>12WMA%12EMA</a:t>
-            </a:r>
-            <a:r>
-              <a:rPr lang="en-US" sz="1000" b="1" dirty="0">
-                <a:solidFill>
-                  <a:schemeClr val="tx1">
-                    <a:lumMod val="50000"/>
-                  </a:schemeClr>
-                </a:solidFill>
-              </a:rPr>
-              <a:t>		</a:t>
-            </a:r>
-          </a:p>
-          <a:p>
-            <a:pPr marL="628650" lvl="1" indent="-171450">
-              <a:buFontTx/>
-              <a:buChar char="-"/>
-            </a:pPr>
-            <a:r>
-              <a:rPr lang="en-US" sz="1000" b="1" dirty="0">
-                <a:solidFill>
-                  <a:schemeClr val="tx1">
-                    <a:lumMod val="50000"/>
-                  </a:schemeClr>
-                </a:solidFill>
-              </a:rPr>
-              <a:t>12WMA%26EMA		</a:t>
-            </a:r>
-          </a:p>
-          <a:p>
-            <a:pPr marL="628650" lvl="1" indent="-171450">
-              <a:buFontTx/>
-              <a:buChar char="-"/>
-            </a:pPr>
-            <a:r>
-              <a:rPr lang="en-US" sz="1000" b="1" dirty="0">
-                <a:solidFill>
-                  <a:schemeClr val="tx1">
-                    <a:lumMod val="50000"/>
-                  </a:schemeClr>
-                </a:solidFill>
-              </a:rPr>
-              <a:t>12EMA%26EMA		</a:t>
-            </a:r>
-          </a:p>
-          <a:p>
-            <a:pPr marL="628650" lvl="1" indent="-171450">
-              <a:buFontTx/>
-              <a:buChar char="-"/>
-            </a:pPr>
-            <a:r>
-              <a:rPr lang="en-US" sz="1000" b="1" dirty="0"/>
-              <a:t>50SMA%100SMA</a:t>
-            </a:r>
-            <a:r>
-              <a:rPr lang="en-US" sz="1000" b="1" dirty="0">
-                <a:solidFill>
-                  <a:schemeClr val="tx1">
-                    <a:lumMod val="50000"/>
-                  </a:schemeClr>
-                </a:solidFill>
-              </a:rPr>
-              <a:t>		</a:t>
-            </a:r>
-          </a:p>
-          <a:p>
-            <a:pPr marL="628650" lvl="1" indent="-171450">
-              <a:buFontTx/>
-              <a:buChar char="-"/>
-            </a:pPr>
-            <a:r>
-              <a:rPr lang="en-US" sz="1000" b="1" dirty="0">
-                <a:solidFill>
-                  <a:schemeClr val="tx1">
-                    <a:lumMod val="50000"/>
-                  </a:schemeClr>
-                </a:solidFill>
-              </a:rPr>
-              <a:t>50SMA%200SMA		</a:t>
-            </a:r>
-          </a:p>
-          <a:p>
-            <a:pPr marL="628650" lvl="1" indent="-171450">
-              <a:buFontTx/>
-              <a:buChar char="-"/>
-            </a:pPr>
-            <a:r>
-              <a:rPr lang="en-US" sz="1000" b="1" dirty="0">
-                <a:solidFill>
-                  <a:schemeClr val="tx1">
-                    <a:lumMod val="50000"/>
-                  </a:schemeClr>
-                </a:solidFill>
-              </a:rPr>
-              <a:t>100SMA%200SMA	</a:t>
-            </a:r>
-            <a:r>
-              <a:rPr lang="en-US" sz="1000" b="1" dirty="0"/>
-              <a:t>	</a:t>
-            </a:r>
-          </a:p>
-          <a:p>
-            <a:pPr marL="628650" lvl="1" indent="-171450">
-              <a:buFontTx/>
-              <a:buChar char="-"/>
-            </a:pPr>
-            <a:r>
-              <a:rPr lang="en-US" sz="1000" b="1" dirty="0"/>
-              <a:t>RSI				</a:t>
-            </a:r>
-          </a:p>
-          <a:p>
-            <a:pPr marL="628650" lvl="1" indent="-171450">
-              <a:buFontTx/>
-              <a:buChar char="-"/>
-            </a:pPr>
-            <a:r>
-              <a:rPr lang="en-US" sz="1000" b="1" dirty="0"/>
-              <a:t>SP500 </a:t>
-            </a:r>
-            <a:r>
-              <a:rPr lang="en-US" sz="1000" b="1" dirty="0" err="1"/>
-              <a:t>corr</a:t>
-            </a:r>
-            <a:r>
-              <a:rPr lang="en-US" sz="1000" b="1" dirty="0"/>
-              <a:t> 6Mo-3Mo % Ret</a:t>
-            </a:r>
-          </a:p>
-          <a:p>
-            <a:pPr marL="628650" lvl="1" indent="-171450">
-              <a:buFontTx/>
-              <a:buChar char="-"/>
-            </a:pPr>
-            <a:r>
-              <a:rPr lang="en-US" sz="1000" b="1" dirty="0" err="1"/>
-              <a:t>Div</a:t>
-            </a:r>
-            <a:r>
-              <a:rPr lang="en-US" sz="1000" b="1" dirty="0"/>
-              <a:t>/10Yr-2Yr</a:t>
-            </a:r>
-          </a:p>
-          <a:p>
-            <a:pPr marL="628650" lvl="1" indent="-171450">
-              <a:buFontTx/>
-              <a:buChar char="-"/>
-            </a:pPr>
-            <a:r>
-              <a:rPr lang="en-US" sz="1000" b="1" dirty="0"/>
-              <a:t>SP500%12WMA</a:t>
-            </a:r>
-          </a:p>
-          <a:p>
-            <a:pPr marL="628650" lvl="1" indent="-171450">
-              <a:buFontTx/>
-              <a:buChar char="-"/>
-            </a:pPr>
-            <a:r>
-              <a:rPr lang="en-US" sz="1000" b="1" dirty="0">
-                <a:solidFill>
-                  <a:schemeClr val="tx1">
-                    <a:lumMod val="50000"/>
-                  </a:schemeClr>
-                </a:solidFill>
-              </a:rPr>
-              <a:t>SP500%12EMA</a:t>
-            </a:r>
-          </a:p>
-          <a:p>
-            <a:pPr marL="628650" lvl="1" indent="-171450">
-              <a:buFontTx/>
-              <a:buChar char="-"/>
-            </a:pPr>
-            <a:r>
-              <a:rPr lang="en-US" sz="1000" b="1" dirty="0"/>
-              <a:t>SP500%26EMA</a:t>
-            </a:r>
-          </a:p>
-          <a:p>
-            <a:pPr marL="628650" lvl="1" indent="-171450">
-              <a:buFontTx/>
-              <a:buChar char="-"/>
-            </a:pPr>
-            <a:r>
-              <a:rPr lang="en-US" sz="1000" b="1" dirty="0"/>
-              <a:t>SP500%50SMA</a:t>
-            </a:r>
-          </a:p>
-          <a:p>
-            <a:pPr marL="628650" lvl="1" indent="-171450">
-              <a:buFontTx/>
-              <a:buChar char="-"/>
-            </a:pPr>
-            <a:r>
-              <a:rPr lang="en-US" sz="1000" b="1" dirty="0"/>
-              <a:t>SP500%100SMA</a:t>
-            </a:r>
-          </a:p>
-          <a:p>
-            <a:pPr marL="628650" lvl="1" indent="-171450">
-              <a:buFontTx/>
-              <a:buChar char="-"/>
-            </a:pPr>
-            <a:r>
-              <a:rPr lang="en-US" sz="1000" b="1" dirty="0"/>
-              <a:t>SP500%200SMA</a:t>
-            </a:r>
-          </a:p>
-          <a:p>
-            <a:pPr marL="628650" lvl="1" indent="-171450">
-              <a:buFontTx/>
-              <a:buChar char="-"/>
-            </a:pPr>
-            <a:r>
-              <a:rPr lang="en-US" sz="1000" b="1" dirty="0"/>
-              <a:t>SP500%3Upper</a:t>
-            </a:r>
-          </a:p>
-          <a:p>
-            <a:pPr marL="628650" lvl="1" indent="-171450">
-              <a:buFontTx/>
-              <a:buChar char="-"/>
-            </a:pPr>
-            <a:r>
-              <a:rPr lang="en-US" sz="1000" b="1" dirty="0"/>
-              <a:t>SP500%2Upper</a:t>
-            </a:r>
-          </a:p>
-          <a:p>
-            <a:pPr marL="628650" lvl="1" indent="-171450">
-              <a:buFontTx/>
-              <a:buChar char="-"/>
-            </a:pPr>
-            <a:r>
-              <a:rPr lang="en-US" sz="1000" b="1" dirty="0"/>
-              <a:t>SP500%Middle20Day</a:t>
-            </a:r>
-          </a:p>
-          <a:p>
-            <a:pPr marL="628650" lvl="1" indent="-171450">
-              <a:buFontTx/>
-              <a:buChar char="-"/>
-            </a:pPr>
-            <a:r>
-              <a:rPr lang="en-US" sz="1000" b="1" dirty="0"/>
-              <a:t>SP500%2Lower</a:t>
-            </a:r>
-          </a:p>
-          <a:p>
-            <a:pPr marL="628650" lvl="1" indent="-171450">
-              <a:buFontTx/>
-              <a:buChar char="-"/>
-            </a:pPr>
-            <a:r>
-              <a:rPr lang="en-US" sz="1000" b="1" dirty="0"/>
-              <a:t>SP500%3Lower</a:t>
-            </a:r>
-          </a:p>
-        </p:txBody>
-      </p:sp>
-      <p:pic>
-        <p:nvPicPr>
-          <p:cNvPr id="2" name="Picture 1">
-            <a:extLst>
-              <a:ext uri="{FF2B5EF4-FFF2-40B4-BE49-F238E27FC236}">
-                <a16:creationId xmlns:a16="http://schemas.microsoft.com/office/drawing/2014/main" id="{7AC61AEA-DBE1-4E17-9727-1822BB670B42}"/>
-              </a:ext>
-            </a:extLst>
-          </p:cNvPr>
-          <p:cNvPicPr>
-            <a:picLocks noChangeAspect="1"/>
-          </p:cNvPicPr>
-          <p:nvPr/>
-        </p:nvPicPr>
-        <p:blipFill>
-          <a:blip r:embed="rId2"/>
-          <a:stretch>
-            <a:fillRect/>
-          </a:stretch>
-        </p:blipFill>
-        <p:spPr>
-          <a:xfrm>
-            <a:off x="2920512" y="3687844"/>
-            <a:ext cx="3708886" cy="2567118"/>
-          </a:xfrm>
-          <a:prstGeom prst="rect">
-            <a:avLst/>
-          </a:prstGeom>
-        </p:spPr>
-      </p:pic>
-      <p:pic>
-        <p:nvPicPr>
-          <p:cNvPr id="5" name="Picture 4">
-            <a:extLst>
-              <a:ext uri="{FF2B5EF4-FFF2-40B4-BE49-F238E27FC236}">
-                <a16:creationId xmlns:a16="http://schemas.microsoft.com/office/drawing/2014/main" id="{B2779CFF-0C97-4713-939E-4796A048CEAC}"/>
-              </a:ext>
-            </a:extLst>
-          </p:cNvPr>
-          <p:cNvPicPr>
-            <a:picLocks noChangeAspect="1"/>
-          </p:cNvPicPr>
-          <p:nvPr/>
-        </p:nvPicPr>
-        <p:blipFill>
-          <a:blip r:embed="rId3"/>
-          <a:stretch>
-            <a:fillRect/>
-          </a:stretch>
-        </p:blipFill>
-        <p:spPr>
-          <a:xfrm>
-            <a:off x="6896832" y="655846"/>
-            <a:ext cx="5038270" cy="5599116"/>
-          </a:xfrm>
-          <a:prstGeom prst="rect">
-            <a:avLst/>
-          </a:prstGeom>
-        </p:spPr>
-      </p:pic>
-      <p:pic>
-        <p:nvPicPr>
-          <p:cNvPr id="3" name="Picture 2">
-            <a:extLst>
-              <a:ext uri="{FF2B5EF4-FFF2-40B4-BE49-F238E27FC236}">
-                <a16:creationId xmlns:a16="http://schemas.microsoft.com/office/drawing/2014/main" id="{B540839D-FB7B-46A8-992B-C44708877C49}"/>
-              </a:ext>
-            </a:extLst>
-          </p:cNvPr>
-          <p:cNvPicPr>
-            <a:picLocks noChangeAspect="1"/>
-          </p:cNvPicPr>
-          <p:nvPr/>
-        </p:nvPicPr>
-        <p:blipFill>
-          <a:blip r:embed="rId4"/>
-          <a:stretch>
-            <a:fillRect/>
-          </a:stretch>
-        </p:blipFill>
-        <p:spPr>
-          <a:xfrm>
-            <a:off x="6939946" y="3997493"/>
-            <a:ext cx="818649" cy="973910"/>
-          </a:xfrm>
-          <a:prstGeom prst="rect">
-            <a:avLst/>
-          </a:prstGeom>
-        </p:spPr>
-      </p:pic>
-      <p:pic>
-        <p:nvPicPr>
-          <p:cNvPr id="4" name="Picture 3">
-            <a:extLst>
-              <a:ext uri="{FF2B5EF4-FFF2-40B4-BE49-F238E27FC236}">
-                <a16:creationId xmlns:a16="http://schemas.microsoft.com/office/drawing/2014/main" id="{B2E0512A-D612-461E-BCB8-BFF844129535}"/>
-              </a:ext>
-            </a:extLst>
-          </p:cNvPr>
-          <p:cNvPicPr>
-            <a:picLocks noChangeAspect="1"/>
-          </p:cNvPicPr>
-          <p:nvPr/>
-        </p:nvPicPr>
-        <p:blipFill>
-          <a:blip r:embed="rId5"/>
-          <a:stretch>
-            <a:fillRect/>
-          </a:stretch>
-        </p:blipFill>
-        <p:spPr>
-          <a:xfrm>
-            <a:off x="4754294" y="3938589"/>
-            <a:ext cx="1581150" cy="447675"/>
-          </a:xfrm>
-          <a:prstGeom prst="rect">
-            <a:avLst/>
-          </a:prstGeom>
-        </p:spPr>
-      </p:pic>
-    </p:spTree>
-    <p:extLst>
-      <p:ext uri="{BB962C8B-B14F-4D97-AF65-F5344CB8AC3E}">
-        <p14:creationId xmlns:p14="http://schemas.microsoft.com/office/powerpoint/2010/main" val="4165056781"/>
-      </p:ext>
-    </p:extLst>
-  </p:cSld>
-  <p:clrMapOvr>
-    <a:masterClrMapping/>
-  </p:clrMapOvr>
-  <mc:AlternateContent xmlns:mc="http://schemas.openxmlformats.org/markup-compatibility/2006" xmlns:p14="http://schemas.microsoft.com/office/powerpoint/2010/main">
-    <mc:Choice Requires="p14">
-      <p:transition p14:dur="10" advClick="0" advTm="500"/>
-    </mc:Choice>
-    <mc:Fallback xmlns="">
-      <p:transition advClick="0" advTm="500"/>
-    </mc:Fallback>
-  </mc:AlternateContent>
-</p:sld>
-</file>
-
-<file path=ppt/slides/slide12.xml><?xml version="1.0" encoding="utf-8"?>
-<p:sld xmlns:a="http://schemas.openxmlformats.org/drawingml/2006/main" xmlns:r="http://schemas.openxmlformats.org/officeDocument/2006/relationships" xmlns:p="http://schemas.openxmlformats.org/presentationml/2006/main">
-  <p:cSld>
-    <p:spTree>
-      <p:nvGrpSpPr>
-        <p:cNvPr id="1" name=""/>
-        <p:cNvGrpSpPr/>
-        <p:nvPr/>
-      </p:nvGrpSpPr>
-      <p:grpSpPr>
-        <a:xfrm>
-          <a:off x="0" y="0"/>
-          <a:ext cx="0" cy="0"/>
-          <a:chOff x="0" y="0"/>
-          <a:chExt cx="0" cy="0"/>
-        </a:xfrm>
-      </p:grpSpPr>
-      <p:sp>
-        <p:nvSpPr>
-          <p:cNvPr id="6" name="TextBox 5">
-            <a:extLst>
-              <a:ext uri="{FF2B5EF4-FFF2-40B4-BE49-F238E27FC236}">
-                <a16:creationId xmlns:a16="http://schemas.microsoft.com/office/drawing/2014/main" id="{DAB6C54A-3904-435D-98A4-BFAA06891B3F}"/>
-              </a:ext>
-            </a:extLst>
-          </p:cNvPr>
-          <p:cNvSpPr txBox="1"/>
-          <p:nvPr/>
-        </p:nvSpPr>
-        <p:spPr>
-          <a:xfrm>
-            <a:off x="280892" y="262222"/>
-            <a:ext cx="6615940" cy="6386364"/>
-          </a:xfrm>
-          <a:prstGeom prst="rect">
-            <a:avLst/>
-          </a:prstGeom>
-          <a:noFill/>
-        </p:spPr>
-        <p:txBody>
-          <a:bodyPr wrap="square" rtlCol="0">
-            <a:spAutoFit/>
-          </a:bodyPr>
-          <a:lstStyle/>
-          <a:p>
-            <a:r>
-              <a:rPr lang="en-US" dirty="0"/>
-              <a:t>Criteria:</a:t>
-            </a:r>
-          </a:p>
-          <a:p>
-            <a:r>
-              <a:rPr lang="en-US" dirty="0"/>
-              <a:t>S&amp;P 500 Day(s) Forward Return: 5</a:t>
-            </a:r>
-          </a:p>
-          <a:p>
-            <a:r>
-              <a:rPr lang="en-US" dirty="0"/>
-              <a:t>Number of Return Percentile Bins: 5</a:t>
-            </a:r>
-          </a:p>
-          <a:p>
-            <a:r>
-              <a:rPr lang="en-US" dirty="0"/>
-              <a:t>	1: Lowest 20% Returns	Below 	-1.47%</a:t>
-            </a:r>
-          </a:p>
-          <a:p>
-            <a:r>
-              <a:rPr lang="en-US" dirty="0"/>
-              <a:t>	2: 20% to 40%		Between 	-1.47% and -0.14%</a:t>
-            </a:r>
-          </a:p>
-          <a:p>
-            <a:r>
-              <a:rPr lang="en-US" dirty="0"/>
-              <a:t>	3: 40% to 60%		Between 	-0.14% and 0.72%</a:t>
-            </a:r>
-          </a:p>
-          <a:p>
-            <a:r>
-              <a:rPr lang="en-US" dirty="0"/>
-              <a:t>	4: 60% to 80%		Between 	 0.72% and 1.74%</a:t>
-            </a:r>
-          </a:p>
-          <a:p>
-            <a:r>
-              <a:rPr lang="en-US" dirty="0"/>
-              <a:t>	5: Highest 20% Returns	Above	 1.74%</a:t>
-            </a:r>
-          </a:p>
-          <a:p>
-            <a:endParaRPr lang="en-US" dirty="0"/>
-          </a:p>
-          <a:p>
-            <a:endParaRPr lang="en-US" dirty="0"/>
-          </a:p>
-          <a:p>
-            <a:r>
-              <a:rPr lang="en-US" dirty="0"/>
               <a:t>X-Feature Inputs:					K Neighbors: 31</a:t>
             </a:r>
           </a:p>
@@ -14046,7 +12984,7 @@
 </p:sld>
 </file>
 
-<file path=ppt/slides/slide13.xml><?xml version="1.0" encoding="utf-8"?>
+<file path=ppt/slides/slide11.xml><?xml version="1.0" encoding="utf-8"?>
 <p:sld xmlns:a="http://schemas.openxmlformats.org/drawingml/2006/main" xmlns:r="http://schemas.openxmlformats.org/officeDocument/2006/relationships" xmlns:p="http://schemas.openxmlformats.org/presentationml/2006/main">
   <p:cSld>
     <p:spTree>
@@ -14728,7 +13666,7 @@
 </p:sld>
 </file>
 
-<file path=ppt/slides/slide14.xml><?xml version="1.0" encoding="utf-8"?>
+<file path=ppt/slides/slide12.xml><?xml version="1.0" encoding="utf-8"?>
 <p:sld xmlns:a="http://schemas.openxmlformats.org/drawingml/2006/main" xmlns:r="http://schemas.openxmlformats.org/officeDocument/2006/relationships" xmlns:p="http://schemas.openxmlformats.org/presentationml/2006/main">
   <p:cSld>
     <p:spTree>
@@ -15274,7 +14212,7 @@
 </p:sld>
 </file>
 
-<file path=ppt/slides/slide15.xml><?xml version="1.0" encoding="utf-8"?>
+<file path=ppt/slides/slide13.xml><?xml version="1.0" encoding="utf-8"?>
 <p:sld xmlns:a="http://schemas.openxmlformats.org/drawingml/2006/main" xmlns:r="http://schemas.openxmlformats.org/officeDocument/2006/relationships" xmlns:p="http://schemas.openxmlformats.org/presentationml/2006/main">
   <p:cSld>
     <p:spTree>
@@ -15800,7 +14738,7 @@
 </p:sld>
 </file>
 
-<file path=ppt/slides/slide16.xml><?xml version="1.0" encoding="utf-8"?>
+<file path=ppt/slides/slide14.xml><?xml version="1.0" encoding="utf-8"?>
 <p:sld xmlns:a="http://schemas.openxmlformats.org/drawingml/2006/main" xmlns:r="http://schemas.openxmlformats.org/officeDocument/2006/relationships" xmlns:p="http://schemas.openxmlformats.org/presentationml/2006/main">
   <p:cSld>
     <p:spTree>
@@ -16308,7 +15246,7 @@
 </p:sld>
 </file>
 
-<file path=ppt/slides/slide17.xml><?xml version="1.0" encoding="utf-8"?>
+<file path=ppt/slides/slide15.xml><?xml version="1.0" encoding="utf-8"?>
 <p:sld xmlns:a="http://schemas.openxmlformats.org/drawingml/2006/main" xmlns:r="http://schemas.openxmlformats.org/officeDocument/2006/relationships" xmlns:p="http://schemas.openxmlformats.org/presentationml/2006/main">
   <p:cSld>
     <p:spTree>
@@ -16780,7 +15718,7 @@
 </p:sld>
 </file>
 
-<file path=ppt/slides/slide18.xml><?xml version="1.0" encoding="utf-8"?>
+<file path=ppt/slides/slide16.xml><?xml version="1.0" encoding="utf-8"?>
 <p:sld xmlns:a="http://schemas.openxmlformats.org/drawingml/2006/main" xmlns:r="http://schemas.openxmlformats.org/officeDocument/2006/relationships" xmlns:p="http://schemas.openxmlformats.org/presentationml/2006/main">
   <p:cSld>
     <p:spTree>
@@ -17328,7 +16266,7 @@
 </p:sld>
 </file>
 
-<file path=ppt/slides/slide19.xml><?xml version="1.0" encoding="utf-8"?>
+<file path=ppt/slides/slide17.xml><?xml version="1.0" encoding="utf-8"?>
 <p:sld xmlns:a="http://schemas.openxmlformats.org/drawingml/2006/main" xmlns:r="http://schemas.openxmlformats.org/officeDocument/2006/relationships" xmlns:p="http://schemas.openxmlformats.org/presentationml/2006/main">
   <p:cSld>
     <p:spTree>
@@ -17615,6 +16553,842 @@
     <p:extLst>
       <p:ext uri="{BB962C8B-B14F-4D97-AF65-F5344CB8AC3E}">
         <p14:creationId xmlns:p14="http://schemas.microsoft.com/office/powerpoint/2010/main" val="1957824801"/>
+      </p:ext>
+    </p:extLst>
+  </p:cSld>
+  <p:clrMapOvr>
+    <a:masterClrMapping/>
+  </p:clrMapOvr>
+  <mc:AlternateContent xmlns:mc="http://schemas.openxmlformats.org/markup-compatibility/2006" xmlns:p14="http://schemas.microsoft.com/office/powerpoint/2010/main">
+    <mc:Choice Requires="p14">
+      <p:transition p14:dur="10"/>
+    </mc:Choice>
+    <mc:Fallback xmlns="">
+      <p:transition/>
+    </mc:Fallback>
+  </mc:AlternateContent>
+</p:sld>
+</file>
+
+<file path=ppt/slides/slide18.xml><?xml version="1.0" encoding="utf-8"?>
+<p:sld xmlns:a="http://schemas.openxmlformats.org/drawingml/2006/main" xmlns:r="http://schemas.openxmlformats.org/officeDocument/2006/relationships" xmlns:p="http://schemas.openxmlformats.org/presentationml/2006/main">
+  <p:cSld>
+    <p:spTree>
+      <p:nvGrpSpPr>
+        <p:cNvPr id="1" name=""/>
+        <p:cNvGrpSpPr/>
+        <p:nvPr/>
+      </p:nvGrpSpPr>
+      <p:grpSpPr>
+        <a:xfrm>
+          <a:off x="0" y="0"/>
+          <a:ext cx="0" cy="0"/>
+          <a:chOff x="0" y="0"/>
+          <a:chExt cx="0" cy="0"/>
+        </a:xfrm>
+      </p:grpSpPr>
+      <p:sp>
+        <p:nvSpPr>
+          <p:cNvPr id="8" name="Content Placeholder 2">
+            <a:extLst>
+              <a:ext uri="{FF2B5EF4-FFF2-40B4-BE49-F238E27FC236}">
+                <a16:creationId xmlns:a16="http://schemas.microsoft.com/office/drawing/2014/main" id="{54F94B27-21AC-49D6-8639-BA184CE9ED5F}"/>
+              </a:ext>
+            </a:extLst>
+          </p:cNvPr>
+          <p:cNvSpPr>
+            <a:spLocks noGrp="1"/>
+          </p:cNvSpPr>
+          <p:nvPr>
+            <p:ph idx="1"/>
+          </p:nvPr>
+        </p:nvSpPr>
+        <p:spPr>
+          <a:xfrm>
+            <a:off x="0" y="165110"/>
+            <a:ext cx="12192000" cy="576005"/>
+          </a:xfrm>
+        </p:spPr>
+        <p:txBody>
+          <a:bodyPr>
+            <a:normAutofit/>
+          </a:bodyPr>
+          <a:lstStyle/>
+          <a:p>
+            <a:pPr marL="0" indent="0" algn="ctr">
+              <a:buNone/>
+            </a:pPr>
+            <a:r>
+              <a:rPr lang="en-US" sz="2800" dirty="0"/>
+              <a:t>Appendix</a:t>
+            </a:r>
+          </a:p>
+        </p:txBody>
+      </p:sp>
+      <p:sp>
+        <p:nvSpPr>
+          <p:cNvPr id="3" name="TextBox 2">
+            <a:extLst>
+              <a:ext uri="{FF2B5EF4-FFF2-40B4-BE49-F238E27FC236}">
+                <a16:creationId xmlns:a16="http://schemas.microsoft.com/office/drawing/2014/main" id="{06631FF8-E100-40DE-9C0F-B847D363F1A4}"/>
+              </a:ext>
+            </a:extLst>
+          </p:cNvPr>
+          <p:cNvSpPr txBox="1"/>
+          <p:nvPr/>
+        </p:nvSpPr>
+        <p:spPr>
+          <a:xfrm>
+            <a:off x="1688123" y="1147396"/>
+            <a:ext cx="9346223" cy="646331"/>
+          </a:xfrm>
+          <a:prstGeom prst="rect">
+            <a:avLst/>
+          </a:prstGeom>
+          <a:noFill/>
+        </p:spPr>
+        <p:txBody>
+          <a:bodyPr wrap="square" rtlCol="0">
+            <a:spAutoFit/>
+          </a:bodyPr>
+          <a:lstStyle/>
+          <a:p>
+            <a:endParaRPr lang="en-US" dirty="0"/>
+          </a:p>
+          <a:p>
+            <a:endParaRPr lang="en-US" dirty="0"/>
+          </a:p>
+        </p:txBody>
+      </p:sp>
+      <p:sp>
+        <p:nvSpPr>
+          <p:cNvPr id="4" name="TextBox 3">
+            <a:extLst>
+              <a:ext uri="{FF2B5EF4-FFF2-40B4-BE49-F238E27FC236}">
+                <a16:creationId xmlns:a16="http://schemas.microsoft.com/office/drawing/2014/main" id="{A1E32FB3-CA65-4D42-9D7B-5F9FE59C8F37}"/>
+              </a:ext>
+            </a:extLst>
+          </p:cNvPr>
+          <p:cNvSpPr txBox="1"/>
+          <p:nvPr/>
+        </p:nvSpPr>
+        <p:spPr>
+          <a:xfrm>
+            <a:off x="1836312" y="1112195"/>
+            <a:ext cx="7926265" cy="507831"/>
+          </a:xfrm>
+          <a:prstGeom prst="rect">
+            <a:avLst/>
+          </a:prstGeom>
+          <a:noFill/>
+        </p:spPr>
+        <p:txBody>
+          <a:bodyPr wrap="square" rtlCol="0">
+            <a:spAutoFit/>
+          </a:bodyPr>
+          <a:lstStyle/>
+          <a:p>
+            <a:pPr lvl="1"/>
+            <a:r>
+              <a:rPr lang="en-US" sz="1400" u="sng" dirty="0"/>
+              <a:t>RSI (Relative Strength Index)</a:t>
+            </a:r>
+            <a:r>
+              <a:rPr lang="en-US" sz="1400" dirty="0"/>
+              <a:t>:</a:t>
+            </a:r>
+          </a:p>
+          <a:p>
+            <a:pPr marL="628650" lvl="1" indent="-171450">
+              <a:buFontTx/>
+              <a:buChar char="-"/>
+            </a:pPr>
+            <a:endParaRPr lang="en-US" sz="1300" dirty="0"/>
+          </a:p>
+        </p:txBody>
+      </p:sp>
+      <p:pic>
+        <p:nvPicPr>
+          <p:cNvPr id="10" name="Picture 9">
+            <a:extLst>
+              <a:ext uri="{FF2B5EF4-FFF2-40B4-BE49-F238E27FC236}">
+                <a16:creationId xmlns:a16="http://schemas.microsoft.com/office/drawing/2014/main" id="{E2A94C79-D213-4BEC-9653-7C7BC1F80E01}"/>
+              </a:ext>
+            </a:extLst>
+          </p:cNvPr>
+          <p:cNvPicPr>
+            <a:picLocks noChangeAspect="1"/>
+          </p:cNvPicPr>
+          <p:nvPr/>
+        </p:nvPicPr>
+        <p:blipFill>
+          <a:blip r:embed="rId2"/>
+          <a:stretch>
+            <a:fillRect/>
+          </a:stretch>
+        </p:blipFill>
+        <p:spPr>
+          <a:xfrm>
+            <a:off x="3151572" y="1567468"/>
+            <a:ext cx="3689177" cy="2139272"/>
+          </a:xfrm>
+          <a:prstGeom prst="rect">
+            <a:avLst/>
+          </a:prstGeom>
+        </p:spPr>
+      </p:pic>
+      <p:sp>
+        <p:nvSpPr>
+          <p:cNvPr id="12" name="TextBox 11">
+            <a:extLst>
+              <a:ext uri="{FF2B5EF4-FFF2-40B4-BE49-F238E27FC236}">
+                <a16:creationId xmlns:a16="http://schemas.microsoft.com/office/drawing/2014/main" id="{CEA4D725-D116-42F7-80C6-8ECE52B269EE}"/>
+              </a:ext>
+            </a:extLst>
+          </p:cNvPr>
+          <p:cNvSpPr txBox="1"/>
+          <p:nvPr/>
+        </p:nvSpPr>
+        <p:spPr>
+          <a:xfrm>
+            <a:off x="1836312" y="3872896"/>
+            <a:ext cx="7926265" cy="523220"/>
+          </a:xfrm>
+          <a:prstGeom prst="rect">
+            <a:avLst/>
+          </a:prstGeom>
+          <a:noFill/>
+        </p:spPr>
+        <p:txBody>
+          <a:bodyPr wrap="square" rtlCol="0">
+            <a:spAutoFit/>
+          </a:bodyPr>
+          <a:lstStyle/>
+          <a:p>
+            <a:pPr lvl="1"/>
+            <a:r>
+              <a:rPr lang="en-US" sz="1400" u="sng" dirty="0"/>
+              <a:t>SP500 </a:t>
+            </a:r>
+            <a:r>
+              <a:rPr lang="en-US" sz="1400" u="sng" dirty="0" err="1"/>
+              <a:t>corr</a:t>
+            </a:r>
+            <a:r>
+              <a:rPr lang="en-US" sz="1400" u="sng" dirty="0"/>
+              <a:t> 6Mo-3Mo % Ret</a:t>
+            </a:r>
+            <a:r>
+              <a:rPr lang="en-US" sz="1400" dirty="0"/>
+              <a:t>: Correlation between the daily return of the S&amp;P 500 and the daily 	return of the 6-Month 3-Month spread</a:t>
+            </a:r>
+          </a:p>
+        </p:txBody>
+      </p:sp>
+      <p:sp>
+        <p:nvSpPr>
+          <p:cNvPr id="14" name="TextBox 13">
+            <a:extLst>
+              <a:ext uri="{FF2B5EF4-FFF2-40B4-BE49-F238E27FC236}">
+                <a16:creationId xmlns:a16="http://schemas.microsoft.com/office/drawing/2014/main" id="{DEE14F66-23B0-43B0-B9E0-4C3692BA992F}"/>
+              </a:ext>
+            </a:extLst>
+          </p:cNvPr>
+          <p:cNvSpPr txBox="1"/>
+          <p:nvPr/>
+        </p:nvSpPr>
+        <p:spPr>
+          <a:xfrm>
+            <a:off x="1836311" y="4396116"/>
+            <a:ext cx="7926265" cy="523220"/>
+          </a:xfrm>
+          <a:prstGeom prst="rect">
+            <a:avLst/>
+          </a:prstGeom>
+          <a:noFill/>
+        </p:spPr>
+        <p:txBody>
+          <a:bodyPr wrap="square" rtlCol="0">
+            <a:spAutoFit/>
+          </a:bodyPr>
+          <a:lstStyle/>
+          <a:p>
+            <a:pPr lvl="1"/>
+            <a:r>
+              <a:rPr lang="en-US" sz="1400" u="sng" dirty="0" err="1"/>
+              <a:t>Div</a:t>
+            </a:r>
+            <a:r>
+              <a:rPr lang="en-US" sz="1400" u="sng" dirty="0"/>
+              <a:t>/10Yr-2Yr</a:t>
+            </a:r>
+            <a:r>
+              <a:rPr lang="en-US" sz="1400" dirty="0"/>
+              <a:t>: The S&amp;P 500’s dividend yield divided by the spread between the 10-Year and 2-Year 	US Treasury rate</a:t>
+            </a:r>
+          </a:p>
+        </p:txBody>
+      </p:sp>
+      <p:sp>
+        <p:nvSpPr>
+          <p:cNvPr id="16" name="TextBox 15">
+            <a:extLst>
+              <a:ext uri="{FF2B5EF4-FFF2-40B4-BE49-F238E27FC236}">
+                <a16:creationId xmlns:a16="http://schemas.microsoft.com/office/drawing/2014/main" id="{6EDA62AF-ECC3-48A5-8F11-C2DEA0F7C974}"/>
+              </a:ext>
+            </a:extLst>
+          </p:cNvPr>
+          <p:cNvSpPr txBox="1"/>
+          <p:nvPr/>
+        </p:nvSpPr>
+        <p:spPr>
+          <a:xfrm>
+            <a:off x="1836310" y="4919336"/>
+            <a:ext cx="7926265" cy="523220"/>
+          </a:xfrm>
+          <a:prstGeom prst="rect">
+            <a:avLst/>
+          </a:prstGeom>
+          <a:noFill/>
+        </p:spPr>
+        <p:txBody>
+          <a:bodyPr wrap="square" rtlCol="0">
+            <a:spAutoFit/>
+          </a:bodyPr>
+          <a:lstStyle/>
+          <a:p>
+            <a:pPr lvl="1"/>
+            <a:r>
+              <a:rPr lang="en-US" sz="1400" u="sng" dirty="0"/>
+              <a:t>12WMA%12EMA</a:t>
+            </a:r>
+            <a:r>
+              <a:rPr lang="en-US" sz="1400" dirty="0"/>
+              <a:t>: Percent change between the S&amp;P 500’s 12-Day Weighted Moving Average and 	the S&amp;P 500’s 12-Day Exponential Moving Average</a:t>
+            </a:r>
+          </a:p>
+        </p:txBody>
+      </p:sp>
+      <p:sp>
+        <p:nvSpPr>
+          <p:cNvPr id="18" name="TextBox 17">
+            <a:extLst>
+              <a:ext uri="{FF2B5EF4-FFF2-40B4-BE49-F238E27FC236}">
+                <a16:creationId xmlns:a16="http://schemas.microsoft.com/office/drawing/2014/main" id="{98B7D407-E1C7-49FD-B719-EA882F1C8A5F}"/>
+              </a:ext>
+            </a:extLst>
+          </p:cNvPr>
+          <p:cNvSpPr txBox="1"/>
+          <p:nvPr/>
+        </p:nvSpPr>
+        <p:spPr>
+          <a:xfrm>
+            <a:off x="1836310" y="5442556"/>
+            <a:ext cx="7926265" cy="523220"/>
+          </a:xfrm>
+          <a:prstGeom prst="rect">
+            <a:avLst/>
+          </a:prstGeom>
+          <a:noFill/>
+        </p:spPr>
+        <p:txBody>
+          <a:bodyPr wrap="square" rtlCol="0">
+            <a:spAutoFit/>
+          </a:bodyPr>
+          <a:lstStyle/>
+          <a:p>
+            <a:pPr lvl="1"/>
+            <a:r>
+              <a:rPr lang="en-US" sz="1400" u="sng" dirty="0"/>
+              <a:t>12WMA%26EMA</a:t>
+            </a:r>
+            <a:r>
+              <a:rPr lang="en-US" sz="1400" dirty="0"/>
+              <a:t>: Percent change between the S&amp;P 500’s 12-Day Weighted Moving Average and 	the S&amp;P 500’s 26-Day Exponential Moving Average</a:t>
+            </a:r>
+          </a:p>
+        </p:txBody>
+      </p:sp>
+    </p:spTree>
+    <p:extLst>
+      <p:ext uri="{BB962C8B-B14F-4D97-AF65-F5344CB8AC3E}">
+        <p14:creationId xmlns:p14="http://schemas.microsoft.com/office/powerpoint/2010/main" val="2066841741"/>
+      </p:ext>
+    </p:extLst>
+  </p:cSld>
+  <p:clrMapOvr>
+    <a:masterClrMapping/>
+  </p:clrMapOvr>
+  <mc:AlternateContent xmlns:mc="http://schemas.openxmlformats.org/markup-compatibility/2006" xmlns:p14="http://schemas.microsoft.com/office/powerpoint/2010/main">
+    <mc:Choice Requires="p14">
+      <p:transition p14:dur="10"/>
+    </mc:Choice>
+    <mc:Fallback xmlns="">
+      <p:transition/>
+    </mc:Fallback>
+  </mc:AlternateContent>
+</p:sld>
+</file>
+
+<file path=ppt/slides/slide19.xml><?xml version="1.0" encoding="utf-8"?>
+<p:sld xmlns:a="http://schemas.openxmlformats.org/drawingml/2006/main" xmlns:r="http://schemas.openxmlformats.org/officeDocument/2006/relationships" xmlns:p="http://schemas.openxmlformats.org/presentationml/2006/main">
+  <p:cSld>
+    <p:spTree>
+      <p:nvGrpSpPr>
+        <p:cNvPr id="1" name=""/>
+        <p:cNvGrpSpPr/>
+        <p:nvPr/>
+      </p:nvGrpSpPr>
+      <p:grpSpPr>
+        <a:xfrm>
+          <a:off x="0" y="0"/>
+          <a:ext cx="0" cy="0"/>
+          <a:chOff x="0" y="0"/>
+          <a:chExt cx="0" cy="0"/>
+        </a:xfrm>
+      </p:grpSpPr>
+      <p:sp>
+        <p:nvSpPr>
+          <p:cNvPr id="18" name="TextBox 17">
+            <a:extLst>
+              <a:ext uri="{FF2B5EF4-FFF2-40B4-BE49-F238E27FC236}">
+                <a16:creationId xmlns:a16="http://schemas.microsoft.com/office/drawing/2014/main" id="{98B7D407-E1C7-49FD-B719-EA882F1C8A5F}"/>
+              </a:ext>
+            </a:extLst>
+          </p:cNvPr>
+          <p:cNvSpPr txBox="1"/>
+          <p:nvPr/>
+        </p:nvSpPr>
+        <p:spPr>
+          <a:xfrm>
+            <a:off x="1836311" y="1112195"/>
+            <a:ext cx="7926265" cy="523220"/>
+          </a:xfrm>
+          <a:prstGeom prst="rect">
+            <a:avLst/>
+          </a:prstGeom>
+          <a:noFill/>
+        </p:spPr>
+        <p:txBody>
+          <a:bodyPr wrap="square" rtlCol="0">
+            <a:spAutoFit/>
+          </a:bodyPr>
+          <a:lstStyle/>
+          <a:p>
+            <a:pPr lvl="1"/>
+            <a:r>
+              <a:rPr lang="en-US" sz="1400" u="sng" dirty="0"/>
+              <a:t>12EMA%26EMA</a:t>
+            </a:r>
+            <a:r>
+              <a:rPr lang="en-US" sz="1400" dirty="0"/>
+              <a:t>: Percent change between the S&amp;P 500’s 12-Day Exponential Moving Average and 	the S&amp;P 500’s 26-Day Exponential Moving Average</a:t>
+            </a:r>
+          </a:p>
+        </p:txBody>
+      </p:sp>
+      <p:sp>
+        <p:nvSpPr>
+          <p:cNvPr id="8" name="Content Placeholder 2">
+            <a:extLst>
+              <a:ext uri="{FF2B5EF4-FFF2-40B4-BE49-F238E27FC236}">
+                <a16:creationId xmlns:a16="http://schemas.microsoft.com/office/drawing/2014/main" id="{54F94B27-21AC-49D6-8639-BA184CE9ED5F}"/>
+              </a:ext>
+            </a:extLst>
+          </p:cNvPr>
+          <p:cNvSpPr>
+            <a:spLocks noGrp="1"/>
+          </p:cNvSpPr>
+          <p:nvPr>
+            <p:ph idx="1"/>
+          </p:nvPr>
+        </p:nvSpPr>
+        <p:spPr>
+          <a:xfrm>
+            <a:off x="0" y="165110"/>
+            <a:ext cx="12192000" cy="576005"/>
+          </a:xfrm>
+        </p:spPr>
+        <p:txBody>
+          <a:bodyPr>
+            <a:normAutofit/>
+          </a:bodyPr>
+          <a:lstStyle/>
+          <a:p>
+            <a:pPr marL="0" indent="0" algn="ctr">
+              <a:buNone/>
+            </a:pPr>
+            <a:r>
+              <a:rPr lang="en-US" sz="2800" dirty="0"/>
+              <a:t>Appendix</a:t>
+            </a:r>
+          </a:p>
+        </p:txBody>
+      </p:sp>
+      <p:sp>
+        <p:nvSpPr>
+          <p:cNvPr id="2" name="TextBox 1">
+            <a:extLst>
+              <a:ext uri="{FF2B5EF4-FFF2-40B4-BE49-F238E27FC236}">
+                <a16:creationId xmlns:a16="http://schemas.microsoft.com/office/drawing/2014/main" id="{5B392C41-81B1-4952-908E-33FBD6DC3D72}"/>
+              </a:ext>
+            </a:extLst>
+          </p:cNvPr>
+          <p:cNvSpPr txBox="1"/>
+          <p:nvPr/>
+        </p:nvSpPr>
+        <p:spPr>
+          <a:xfrm>
+            <a:off x="1836311" y="1635415"/>
+            <a:ext cx="7926265" cy="523220"/>
+          </a:xfrm>
+          <a:prstGeom prst="rect">
+            <a:avLst/>
+          </a:prstGeom>
+          <a:noFill/>
+        </p:spPr>
+        <p:txBody>
+          <a:bodyPr wrap="square" rtlCol="0">
+            <a:spAutoFit/>
+          </a:bodyPr>
+          <a:lstStyle/>
+          <a:p>
+            <a:pPr lvl="1"/>
+            <a:r>
+              <a:rPr lang="en-US" sz="1400" u="sng" dirty="0"/>
+              <a:t>50SMA%100SMA</a:t>
+            </a:r>
+            <a:r>
+              <a:rPr lang="en-US" sz="1400" dirty="0"/>
+              <a:t>: Percent change between the S&amp;P 500’s 50-Day Simple Moving Average and 	the S&amp;P 500’s 100-Day Simple Moving Average</a:t>
+            </a:r>
+          </a:p>
+        </p:txBody>
+      </p:sp>
+      <p:sp>
+        <p:nvSpPr>
+          <p:cNvPr id="5" name="TextBox 4">
+            <a:extLst>
+              <a:ext uri="{FF2B5EF4-FFF2-40B4-BE49-F238E27FC236}">
+                <a16:creationId xmlns:a16="http://schemas.microsoft.com/office/drawing/2014/main" id="{ABD0D76E-B02E-45A6-9B11-087AB6FB8052}"/>
+              </a:ext>
+            </a:extLst>
+          </p:cNvPr>
+          <p:cNvSpPr txBox="1"/>
+          <p:nvPr/>
+        </p:nvSpPr>
+        <p:spPr>
+          <a:xfrm>
+            <a:off x="1836310" y="2158635"/>
+            <a:ext cx="7926265" cy="523220"/>
+          </a:xfrm>
+          <a:prstGeom prst="rect">
+            <a:avLst/>
+          </a:prstGeom>
+          <a:noFill/>
+        </p:spPr>
+        <p:txBody>
+          <a:bodyPr wrap="square" rtlCol="0">
+            <a:spAutoFit/>
+          </a:bodyPr>
+          <a:lstStyle/>
+          <a:p>
+            <a:pPr lvl="1"/>
+            <a:r>
+              <a:rPr lang="en-US" sz="1400" u="sng" dirty="0"/>
+              <a:t>50SMA%200SMA</a:t>
+            </a:r>
+            <a:r>
+              <a:rPr lang="en-US" sz="1400" dirty="0"/>
+              <a:t>: Percent change between the S&amp;P 500’s 50-Day Simple Moving Average and 	the S&amp;P 500’s 200-Day Simple Moving Average</a:t>
+            </a:r>
+          </a:p>
+        </p:txBody>
+      </p:sp>
+      <p:sp>
+        <p:nvSpPr>
+          <p:cNvPr id="6" name="TextBox 5">
+            <a:extLst>
+              <a:ext uri="{FF2B5EF4-FFF2-40B4-BE49-F238E27FC236}">
+                <a16:creationId xmlns:a16="http://schemas.microsoft.com/office/drawing/2014/main" id="{601DCC83-6B84-4F72-88B5-D23006D5C52E}"/>
+              </a:ext>
+            </a:extLst>
+          </p:cNvPr>
+          <p:cNvSpPr txBox="1"/>
+          <p:nvPr/>
+        </p:nvSpPr>
+        <p:spPr>
+          <a:xfrm>
+            <a:off x="1836309" y="2681855"/>
+            <a:ext cx="7926265" cy="523220"/>
+          </a:xfrm>
+          <a:prstGeom prst="rect">
+            <a:avLst/>
+          </a:prstGeom>
+          <a:noFill/>
+        </p:spPr>
+        <p:txBody>
+          <a:bodyPr wrap="square" rtlCol="0">
+            <a:spAutoFit/>
+          </a:bodyPr>
+          <a:lstStyle/>
+          <a:p>
+            <a:pPr lvl="1"/>
+            <a:r>
+              <a:rPr lang="en-US" sz="1400" u="sng" dirty="0"/>
+              <a:t>100SMA%200SMA</a:t>
+            </a:r>
+            <a:r>
+              <a:rPr lang="en-US" sz="1400" dirty="0"/>
+              <a:t>: Percent change between the S&amp;P 500’s 100-Day Simple Moving Average and 	the S&amp;P 500’s 200-Day Simple Moving Average</a:t>
+            </a:r>
+          </a:p>
+        </p:txBody>
+      </p:sp>
+      <p:sp>
+        <p:nvSpPr>
+          <p:cNvPr id="7" name="TextBox 6">
+            <a:extLst>
+              <a:ext uri="{FF2B5EF4-FFF2-40B4-BE49-F238E27FC236}">
+                <a16:creationId xmlns:a16="http://schemas.microsoft.com/office/drawing/2014/main" id="{613FA2BC-EF4B-479F-BFC2-633129097581}"/>
+              </a:ext>
+            </a:extLst>
+          </p:cNvPr>
+          <p:cNvSpPr txBox="1"/>
+          <p:nvPr/>
+        </p:nvSpPr>
+        <p:spPr>
+          <a:xfrm>
+            <a:off x="1836309" y="3205075"/>
+            <a:ext cx="7926265" cy="523220"/>
+          </a:xfrm>
+          <a:prstGeom prst="rect">
+            <a:avLst/>
+          </a:prstGeom>
+          <a:noFill/>
+        </p:spPr>
+        <p:txBody>
+          <a:bodyPr wrap="square" rtlCol="0">
+            <a:spAutoFit/>
+          </a:bodyPr>
+          <a:lstStyle/>
+          <a:p>
+            <a:pPr lvl="1"/>
+            <a:r>
+              <a:rPr lang="en-US" sz="1400" u="sng" dirty="0"/>
+              <a:t>SP500%12WMA</a:t>
+            </a:r>
+            <a:r>
+              <a:rPr lang="en-US" sz="1400" dirty="0"/>
+              <a:t>: Percent change between the S&amp;P 500 and the S&amp;P 500’s 12-Day Weighted 	Moving Average </a:t>
+            </a:r>
+          </a:p>
+        </p:txBody>
+      </p:sp>
+      <p:sp>
+        <p:nvSpPr>
+          <p:cNvPr id="21" name="TextBox 20">
+            <a:extLst>
+              <a:ext uri="{FF2B5EF4-FFF2-40B4-BE49-F238E27FC236}">
+                <a16:creationId xmlns:a16="http://schemas.microsoft.com/office/drawing/2014/main" id="{806CC6E2-8C6D-4DCE-A821-21D26A54E841}"/>
+              </a:ext>
+            </a:extLst>
+          </p:cNvPr>
+          <p:cNvSpPr txBox="1"/>
+          <p:nvPr/>
+        </p:nvSpPr>
+        <p:spPr>
+          <a:xfrm>
+            <a:off x="1836309" y="3728295"/>
+            <a:ext cx="7926265" cy="523220"/>
+          </a:xfrm>
+          <a:prstGeom prst="rect">
+            <a:avLst/>
+          </a:prstGeom>
+          <a:noFill/>
+        </p:spPr>
+        <p:txBody>
+          <a:bodyPr wrap="square" rtlCol="0">
+            <a:spAutoFit/>
+          </a:bodyPr>
+          <a:lstStyle/>
+          <a:p>
+            <a:pPr lvl="1"/>
+            <a:r>
+              <a:rPr lang="en-US" sz="1400" u="sng" dirty="0"/>
+              <a:t>SP500%12EMA</a:t>
+            </a:r>
+            <a:r>
+              <a:rPr lang="en-US" sz="1400" dirty="0"/>
+              <a:t>: Percent change between the S&amp;P 500 and the S&amp;P 500’s 12-Day Exponential 	Moving Average </a:t>
+            </a:r>
+          </a:p>
+        </p:txBody>
+      </p:sp>
+      <p:sp>
+        <p:nvSpPr>
+          <p:cNvPr id="23" name="TextBox 22">
+            <a:extLst>
+              <a:ext uri="{FF2B5EF4-FFF2-40B4-BE49-F238E27FC236}">
+                <a16:creationId xmlns:a16="http://schemas.microsoft.com/office/drawing/2014/main" id="{40A824C8-B955-4BAA-A83D-C430BD456859}"/>
+              </a:ext>
+            </a:extLst>
+          </p:cNvPr>
+          <p:cNvSpPr txBox="1"/>
+          <p:nvPr/>
+        </p:nvSpPr>
+        <p:spPr>
+          <a:xfrm>
+            <a:off x="1836309" y="4251515"/>
+            <a:ext cx="7926265" cy="523220"/>
+          </a:xfrm>
+          <a:prstGeom prst="rect">
+            <a:avLst/>
+          </a:prstGeom>
+          <a:noFill/>
+        </p:spPr>
+        <p:txBody>
+          <a:bodyPr wrap="square" rtlCol="0">
+            <a:spAutoFit/>
+          </a:bodyPr>
+          <a:lstStyle/>
+          <a:p>
+            <a:pPr lvl="1"/>
+            <a:r>
+              <a:rPr lang="en-US" sz="1400" u="sng" dirty="0"/>
+              <a:t>SP500%26EMA</a:t>
+            </a:r>
+            <a:r>
+              <a:rPr lang="en-US" sz="1400" dirty="0"/>
+              <a:t>: Percent change between the S&amp;P 500 and the S&amp;P 500’s 26-Day Exponential 	Moving Average </a:t>
+            </a:r>
+          </a:p>
+        </p:txBody>
+      </p:sp>
+      <p:sp>
+        <p:nvSpPr>
+          <p:cNvPr id="25" name="TextBox 24">
+            <a:extLst>
+              <a:ext uri="{FF2B5EF4-FFF2-40B4-BE49-F238E27FC236}">
+                <a16:creationId xmlns:a16="http://schemas.microsoft.com/office/drawing/2014/main" id="{BE7BE3BA-762B-49D6-B7DA-4053589E9C2B}"/>
+              </a:ext>
+            </a:extLst>
+          </p:cNvPr>
+          <p:cNvSpPr txBox="1"/>
+          <p:nvPr/>
+        </p:nvSpPr>
+        <p:spPr>
+          <a:xfrm>
+            <a:off x="1836308" y="4774735"/>
+            <a:ext cx="7926265" cy="523220"/>
+          </a:xfrm>
+          <a:prstGeom prst="rect">
+            <a:avLst/>
+          </a:prstGeom>
+          <a:noFill/>
+        </p:spPr>
+        <p:txBody>
+          <a:bodyPr wrap="square" rtlCol="0">
+            <a:spAutoFit/>
+          </a:bodyPr>
+          <a:lstStyle/>
+          <a:p>
+            <a:pPr lvl="1"/>
+            <a:r>
+              <a:rPr lang="en-US" sz="1400" u="sng" dirty="0"/>
+              <a:t>SP500%50SMA</a:t>
+            </a:r>
+            <a:r>
+              <a:rPr lang="en-US" sz="1400" dirty="0"/>
+              <a:t>: Percent change between the S&amp;P 500 and the S&amp;P 500’s 50-Day Simple Moving 	Average </a:t>
+            </a:r>
+          </a:p>
+        </p:txBody>
+      </p:sp>
+      <p:sp>
+        <p:nvSpPr>
+          <p:cNvPr id="27" name="TextBox 26">
+            <a:extLst>
+              <a:ext uri="{FF2B5EF4-FFF2-40B4-BE49-F238E27FC236}">
+                <a16:creationId xmlns:a16="http://schemas.microsoft.com/office/drawing/2014/main" id="{8BFFA021-C85D-40EE-93B1-B7F9F74EC3B3}"/>
+              </a:ext>
+            </a:extLst>
+          </p:cNvPr>
+          <p:cNvSpPr txBox="1"/>
+          <p:nvPr/>
+        </p:nvSpPr>
+        <p:spPr>
+          <a:xfrm>
+            <a:off x="1836308" y="5297955"/>
+            <a:ext cx="7926265" cy="523220"/>
+          </a:xfrm>
+          <a:prstGeom prst="rect">
+            <a:avLst/>
+          </a:prstGeom>
+          <a:noFill/>
+        </p:spPr>
+        <p:txBody>
+          <a:bodyPr wrap="square" rtlCol="0">
+            <a:spAutoFit/>
+          </a:bodyPr>
+          <a:lstStyle/>
+          <a:p>
+            <a:pPr lvl="1"/>
+            <a:r>
+              <a:rPr lang="en-US" sz="1400" u="sng" dirty="0"/>
+              <a:t>SP500%100SMA</a:t>
+            </a:r>
+            <a:r>
+              <a:rPr lang="en-US" sz="1400" dirty="0"/>
+              <a:t>: Percent change between the S&amp;P 500 and the S&amp;P 500’s 100-Day Simple Moving 	Average </a:t>
+            </a:r>
+          </a:p>
+        </p:txBody>
+      </p:sp>
+      <p:sp>
+        <p:nvSpPr>
+          <p:cNvPr id="29" name="TextBox 28">
+            <a:extLst>
+              <a:ext uri="{FF2B5EF4-FFF2-40B4-BE49-F238E27FC236}">
+                <a16:creationId xmlns:a16="http://schemas.microsoft.com/office/drawing/2014/main" id="{B91535A0-52F6-4462-8202-86B88C99D549}"/>
+              </a:ext>
+            </a:extLst>
+          </p:cNvPr>
+          <p:cNvSpPr txBox="1"/>
+          <p:nvPr/>
+        </p:nvSpPr>
+        <p:spPr>
+          <a:xfrm>
+            <a:off x="1836307" y="5821175"/>
+            <a:ext cx="7926265" cy="523220"/>
+          </a:xfrm>
+          <a:prstGeom prst="rect">
+            <a:avLst/>
+          </a:prstGeom>
+          <a:noFill/>
+        </p:spPr>
+        <p:txBody>
+          <a:bodyPr wrap="square" rtlCol="0">
+            <a:spAutoFit/>
+          </a:bodyPr>
+          <a:lstStyle/>
+          <a:p>
+            <a:pPr lvl="1"/>
+            <a:r>
+              <a:rPr lang="en-US" sz="1400" u="sng" dirty="0"/>
+              <a:t>SP500%200SMA</a:t>
+            </a:r>
+            <a:r>
+              <a:rPr lang="en-US" sz="1400" dirty="0"/>
+              <a:t>: Percent change between the S&amp;P 500 and the S&amp;P 500’s 200-Day Simple Moving 	Average </a:t>
+            </a:r>
+          </a:p>
+        </p:txBody>
+      </p:sp>
+    </p:spTree>
+    <p:extLst>
+      <p:ext uri="{BB962C8B-B14F-4D97-AF65-F5344CB8AC3E}">
+        <p14:creationId xmlns:p14="http://schemas.microsoft.com/office/powerpoint/2010/main" val="1417610254"/>
       </p:ext>
     </p:extLst>
   </p:cSld>
@@ -18656,366 +18430,6 @@
       </p:grpSpPr>
       <p:sp>
         <p:nvSpPr>
-          <p:cNvPr id="8" name="Content Placeholder 2">
-            <a:extLst>
-              <a:ext uri="{FF2B5EF4-FFF2-40B4-BE49-F238E27FC236}">
-                <a16:creationId xmlns:a16="http://schemas.microsoft.com/office/drawing/2014/main" id="{54F94B27-21AC-49D6-8639-BA184CE9ED5F}"/>
-              </a:ext>
-            </a:extLst>
-          </p:cNvPr>
-          <p:cNvSpPr>
-            <a:spLocks noGrp="1"/>
-          </p:cNvSpPr>
-          <p:nvPr>
-            <p:ph idx="1"/>
-          </p:nvPr>
-        </p:nvSpPr>
-        <p:spPr>
-          <a:xfrm>
-            <a:off x="0" y="165110"/>
-            <a:ext cx="12192000" cy="576005"/>
-          </a:xfrm>
-        </p:spPr>
-        <p:txBody>
-          <a:bodyPr>
-            <a:normAutofit/>
-          </a:bodyPr>
-          <a:lstStyle/>
-          <a:p>
-            <a:pPr marL="0" indent="0" algn="ctr">
-              <a:buNone/>
-            </a:pPr>
-            <a:r>
-              <a:rPr lang="en-US" sz="2800" dirty="0"/>
-              <a:t>Appendix</a:t>
-            </a:r>
-          </a:p>
-        </p:txBody>
-      </p:sp>
-      <p:sp>
-        <p:nvSpPr>
-          <p:cNvPr id="3" name="TextBox 2">
-            <a:extLst>
-              <a:ext uri="{FF2B5EF4-FFF2-40B4-BE49-F238E27FC236}">
-                <a16:creationId xmlns:a16="http://schemas.microsoft.com/office/drawing/2014/main" id="{06631FF8-E100-40DE-9C0F-B847D363F1A4}"/>
-              </a:ext>
-            </a:extLst>
-          </p:cNvPr>
-          <p:cNvSpPr txBox="1"/>
-          <p:nvPr/>
-        </p:nvSpPr>
-        <p:spPr>
-          <a:xfrm>
-            <a:off x="1688123" y="1147396"/>
-            <a:ext cx="9346223" cy="646331"/>
-          </a:xfrm>
-          <a:prstGeom prst="rect">
-            <a:avLst/>
-          </a:prstGeom>
-          <a:noFill/>
-        </p:spPr>
-        <p:txBody>
-          <a:bodyPr wrap="square" rtlCol="0">
-            <a:spAutoFit/>
-          </a:bodyPr>
-          <a:lstStyle/>
-          <a:p>
-            <a:endParaRPr lang="en-US" dirty="0"/>
-          </a:p>
-          <a:p>
-            <a:endParaRPr lang="en-US" dirty="0"/>
-          </a:p>
-        </p:txBody>
-      </p:sp>
-      <p:sp>
-        <p:nvSpPr>
-          <p:cNvPr id="4" name="TextBox 3">
-            <a:extLst>
-              <a:ext uri="{FF2B5EF4-FFF2-40B4-BE49-F238E27FC236}">
-                <a16:creationId xmlns:a16="http://schemas.microsoft.com/office/drawing/2014/main" id="{A1E32FB3-CA65-4D42-9D7B-5F9FE59C8F37}"/>
-              </a:ext>
-            </a:extLst>
-          </p:cNvPr>
-          <p:cNvSpPr txBox="1"/>
-          <p:nvPr/>
-        </p:nvSpPr>
-        <p:spPr>
-          <a:xfrm>
-            <a:off x="1836312" y="1112195"/>
-            <a:ext cx="7926265" cy="507831"/>
-          </a:xfrm>
-          <a:prstGeom prst="rect">
-            <a:avLst/>
-          </a:prstGeom>
-          <a:noFill/>
-        </p:spPr>
-        <p:txBody>
-          <a:bodyPr wrap="square" rtlCol="0">
-            <a:spAutoFit/>
-          </a:bodyPr>
-          <a:lstStyle/>
-          <a:p>
-            <a:pPr lvl="1"/>
-            <a:r>
-              <a:rPr lang="en-US" sz="1400" u="sng" dirty="0"/>
-              <a:t>RSI (Relative Strength Index)</a:t>
-            </a:r>
-            <a:r>
-              <a:rPr lang="en-US" sz="1400" dirty="0"/>
-              <a:t>:</a:t>
-            </a:r>
-          </a:p>
-          <a:p>
-            <a:pPr marL="628650" lvl="1" indent="-171450">
-              <a:buFontTx/>
-              <a:buChar char="-"/>
-            </a:pPr>
-            <a:endParaRPr lang="en-US" sz="1300" dirty="0"/>
-          </a:p>
-        </p:txBody>
-      </p:sp>
-      <p:pic>
-        <p:nvPicPr>
-          <p:cNvPr id="10" name="Picture 9">
-            <a:extLst>
-              <a:ext uri="{FF2B5EF4-FFF2-40B4-BE49-F238E27FC236}">
-                <a16:creationId xmlns:a16="http://schemas.microsoft.com/office/drawing/2014/main" id="{E2A94C79-D213-4BEC-9653-7C7BC1F80E01}"/>
-              </a:ext>
-            </a:extLst>
-          </p:cNvPr>
-          <p:cNvPicPr>
-            <a:picLocks noChangeAspect="1"/>
-          </p:cNvPicPr>
-          <p:nvPr/>
-        </p:nvPicPr>
-        <p:blipFill>
-          <a:blip r:embed="rId2"/>
-          <a:stretch>
-            <a:fillRect/>
-          </a:stretch>
-        </p:blipFill>
-        <p:spPr>
-          <a:xfrm>
-            <a:off x="3151572" y="1567468"/>
-            <a:ext cx="3689177" cy="2139272"/>
-          </a:xfrm>
-          <a:prstGeom prst="rect">
-            <a:avLst/>
-          </a:prstGeom>
-        </p:spPr>
-      </p:pic>
-      <p:sp>
-        <p:nvSpPr>
-          <p:cNvPr id="12" name="TextBox 11">
-            <a:extLst>
-              <a:ext uri="{FF2B5EF4-FFF2-40B4-BE49-F238E27FC236}">
-                <a16:creationId xmlns:a16="http://schemas.microsoft.com/office/drawing/2014/main" id="{CEA4D725-D116-42F7-80C6-8ECE52B269EE}"/>
-              </a:ext>
-            </a:extLst>
-          </p:cNvPr>
-          <p:cNvSpPr txBox="1"/>
-          <p:nvPr/>
-        </p:nvSpPr>
-        <p:spPr>
-          <a:xfrm>
-            <a:off x="1836312" y="3872896"/>
-            <a:ext cx="7926265" cy="523220"/>
-          </a:xfrm>
-          <a:prstGeom prst="rect">
-            <a:avLst/>
-          </a:prstGeom>
-          <a:noFill/>
-        </p:spPr>
-        <p:txBody>
-          <a:bodyPr wrap="square" rtlCol="0">
-            <a:spAutoFit/>
-          </a:bodyPr>
-          <a:lstStyle/>
-          <a:p>
-            <a:pPr lvl="1"/>
-            <a:r>
-              <a:rPr lang="en-US" sz="1400" u="sng" dirty="0"/>
-              <a:t>SP500 </a:t>
-            </a:r>
-            <a:r>
-              <a:rPr lang="en-US" sz="1400" u="sng" dirty="0" err="1"/>
-              <a:t>corr</a:t>
-            </a:r>
-            <a:r>
-              <a:rPr lang="en-US" sz="1400" u="sng" dirty="0"/>
-              <a:t> 6Mo-3Mo % Ret</a:t>
-            </a:r>
-            <a:r>
-              <a:rPr lang="en-US" sz="1400" dirty="0"/>
-              <a:t>: Correlation between the daily return of the S&amp;P 500 and the daily 	return of the 6-Month 3-Month spread</a:t>
-            </a:r>
-          </a:p>
-        </p:txBody>
-      </p:sp>
-      <p:sp>
-        <p:nvSpPr>
-          <p:cNvPr id="14" name="TextBox 13">
-            <a:extLst>
-              <a:ext uri="{FF2B5EF4-FFF2-40B4-BE49-F238E27FC236}">
-                <a16:creationId xmlns:a16="http://schemas.microsoft.com/office/drawing/2014/main" id="{DEE14F66-23B0-43B0-B9E0-4C3692BA992F}"/>
-              </a:ext>
-            </a:extLst>
-          </p:cNvPr>
-          <p:cNvSpPr txBox="1"/>
-          <p:nvPr/>
-        </p:nvSpPr>
-        <p:spPr>
-          <a:xfrm>
-            <a:off x="1836311" y="4396116"/>
-            <a:ext cx="7926265" cy="523220"/>
-          </a:xfrm>
-          <a:prstGeom prst="rect">
-            <a:avLst/>
-          </a:prstGeom>
-          <a:noFill/>
-        </p:spPr>
-        <p:txBody>
-          <a:bodyPr wrap="square" rtlCol="0">
-            <a:spAutoFit/>
-          </a:bodyPr>
-          <a:lstStyle/>
-          <a:p>
-            <a:pPr lvl="1"/>
-            <a:r>
-              <a:rPr lang="en-US" sz="1400" u="sng" dirty="0" err="1"/>
-              <a:t>Div</a:t>
-            </a:r>
-            <a:r>
-              <a:rPr lang="en-US" sz="1400" u="sng" dirty="0"/>
-              <a:t>/10Yr-2Yr</a:t>
-            </a:r>
-            <a:r>
-              <a:rPr lang="en-US" sz="1400" dirty="0"/>
-              <a:t>: The S&amp;P 500’s dividend yield divided by the spread between the 10-Year and 2-Year 	US Treasury rate</a:t>
-            </a:r>
-          </a:p>
-        </p:txBody>
-      </p:sp>
-      <p:sp>
-        <p:nvSpPr>
-          <p:cNvPr id="16" name="TextBox 15">
-            <a:extLst>
-              <a:ext uri="{FF2B5EF4-FFF2-40B4-BE49-F238E27FC236}">
-                <a16:creationId xmlns:a16="http://schemas.microsoft.com/office/drawing/2014/main" id="{6EDA62AF-ECC3-48A5-8F11-C2DEA0F7C974}"/>
-              </a:ext>
-            </a:extLst>
-          </p:cNvPr>
-          <p:cNvSpPr txBox="1"/>
-          <p:nvPr/>
-        </p:nvSpPr>
-        <p:spPr>
-          <a:xfrm>
-            <a:off x="1836310" y="4919336"/>
-            <a:ext cx="7926265" cy="523220"/>
-          </a:xfrm>
-          <a:prstGeom prst="rect">
-            <a:avLst/>
-          </a:prstGeom>
-          <a:noFill/>
-        </p:spPr>
-        <p:txBody>
-          <a:bodyPr wrap="square" rtlCol="0">
-            <a:spAutoFit/>
-          </a:bodyPr>
-          <a:lstStyle/>
-          <a:p>
-            <a:pPr lvl="1"/>
-            <a:r>
-              <a:rPr lang="en-US" sz="1400" u="sng" dirty="0"/>
-              <a:t>12WMA%12EMA</a:t>
-            </a:r>
-            <a:r>
-              <a:rPr lang="en-US" sz="1400" dirty="0"/>
-              <a:t>: Percent change between the S&amp;P 500’s 12-Day Weighted Moving Average and 	the S&amp;P 500’s 12-Day Exponential Moving Average</a:t>
-            </a:r>
-          </a:p>
-        </p:txBody>
-      </p:sp>
-      <p:sp>
-        <p:nvSpPr>
-          <p:cNvPr id="18" name="TextBox 17">
-            <a:extLst>
-              <a:ext uri="{FF2B5EF4-FFF2-40B4-BE49-F238E27FC236}">
-                <a16:creationId xmlns:a16="http://schemas.microsoft.com/office/drawing/2014/main" id="{98B7D407-E1C7-49FD-B719-EA882F1C8A5F}"/>
-              </a:ext>
-            </a:extLst>
-          </p:cNvPr>
-          <p:cNvSpPr txBox="1"/>
-          <p:nvPr/>
-        </p:nvSpPr>
-        <p:spPr>
-          <a:xfrm>
-            <a:off x="1836310" y="5442556"/>
-            <a:ext cx="7926265" cy="523220"/>
-          </a:xfrm>
-          <a:prstGeom prst="rect">
-            <a:avLst/>
-          </a:prstGeom>
-          <a:noFill/>
-        </p:spPr>
-        <p:txBody>
-          <a:bodyPr wrap="square" rtlCol="0">
-            <a:spAutoFit/>
-          </a:bodyPr>
-          <a:lstStyle/>
-          <a:p>
-            <a:pPr lvl="1"/>
-            <a:r>
-              <a:rPr lang="en-US" sz="1400" u="sng" dirty="0"/>
-              <a:t>12WMA%26EMA</a:t>
-            </a:r>
-            <a:r>
-              <a:rPr lang="en-US" sz="1400" dirty="0"/>
-              <a:t>: Percent change between the S&amp;P 500’s 12-Day Weighted Moving Average and 	the S&amp;P 500’s 26-Day Exponential Moving Average</a:t>
-            </a:r>
-          </a:p>
-        </p:txBody>
-      </p:sp>
-    </p:spTree>
-    <p:extLst>
-      <p:ext uri="{BB962C8B-B14F-4D97-AF65-F5344CB8AC3E}">
-        <p14:creationId xmlns:p14="http://schemas.microsoft.com/office/powerpoint/2010/main" val="2066841741"/>
-      </p:ext>
-    </p:extLst>
-  </p:cSld>
-  <p:clrMapOvr>
-    <a:masterClrMapping/>
-  </p:clrMapOvr>
-  <mc:AlternateContent xmlns:mc="http://schemas.openxmlformats.org/markup-compatibility/2006" xmlns:p14="http://schemas.microsoft.com/office/powerpoint/2010/main">
-    <mc:Choice Requires="p14">
-      <p:transition p14:dur="10"/>
-    </mc:Choice>
-    <mc:Fallback xmlns="">
-      <p:transition/>
-    </mc:Fallback>
-  </mc:AlternateContent>
-</p:sld>
-</file>
-
-<file path=ppt/slides/slide21.xml><?xml version="1.0" encoding="utf-8"?>
-<p:sld xmlns:a="http://schemas.openxmlformats.org/drawingml/2006/main" xmlns:r="http://schemas.openxmlformats.org/officeDocument/2006/relationships" xmlns:p="http://schemas.openxmlformats.org/presentationml/2006/main">
-  <p:cSld>
-    <p:spTree>
-      <p:nvGrpSpPr>
-        <p:cNvPr id="1" name=""/>
-        <p:cNvGrpSpPr/>
-        <p:nvPr/>
-      </p:nvGrpSpPr>
-      <p:grpSpPr>
-        <a:xfrm>
-          <a:off x="0" y="0"/>
-          <a:ext cx="0" cy="0"/>
-          <a:chOff x="0" y="0"/>
-          <a:chExt cx="0" cy="0"/>
-        </a:xfrm>
-      </p:grpSpPr>
-      <p:sp>
-        <p:nvSpPr>
           <p:cNvPr id="18" name="TextBox 17">
             <a:extLst>
               <a:ext uri="{FF2B5EF4-FFF2-40B4-BE49-F238E27FC236}">
@@ -19045,11 +18459,11 @@
             <a:pPr lvl="1"/>
             <a:r>
               <a:rPr lang="en-US" sz="1400" u="sng" dirty="0"/>
-              <a:t>12EMA%26EMA</a:t>
+              <a:t>SP500%3Upper</a:t>
             </a:r>
             <a:r>
               <a:rPr lang="en-US" sz="1400" dirty="0"/>
-              <a:t>: Percent change between the S&amp;P 500’s 12-Day Exponential Moving Average and 	the S&amp;P 500’s 26-Day Exponential Moving Average</a:t>
+              <a:t>: Percent change between the S&amp;P 500 and the S&amp;P 500’s Upper, Third Standard 	Deviation</a:t>
             </a:r>
           </a:p>
         </p:txBody>
@@ -19094,482 +18508,6 @@
       </p:sp>
       <p:sp>
         <p:nvSpPr>
-          <p:cNvPr id="2" name="TextBox 1">
-            <a:extLst>
-              <a:ext uri="{FF2B5EF4-FFF2-40B4-BE49-F238E27FC236}">
-                <a16:creationId xmlns:a16="http://schemas.microsoft.com/office/drawing/2014/main" id="{5B392C41-81B1-4952-908E-33FBD6DC3D72}"/>
-              </a:ext>
-            </a:extLst>
-          </p:cNvPr>
-          <p:cNvSpPr txBox="1"/>
-          <p:nvPr/>
-        </p:nvSpPr>
-        <p:spPr>
-          <a:xfrm>
-            <a:off x="1836311" y="1635415"/>
-            <a:ext cx="7926265" cy="523220"/>
-          </a:xfrm>
-          <a:prstGeom prst="rect">
-            <a:avLst/>
-          </a:prstGeom>
-          <a:noFill/>
-        </p:spPr>
-        <p:txBody>
-          <a:bodyPr wrap="square" rtlCol="0">
-            <a:spAutoFit/>
-          </a:bodyPr>
-          <a:lstStyle/>
-          <a:p>
-            <a:pPr lvl="1"/>
-            <a:r>
-              <a:rPr lang="en-US" sz="1400" u="sng" dirty="0"/>
-              <a:t>50SMA%100SMA</a:t>
-            </a:r>
-            <a:r>
-              <a:rPr lang="en-US" sz="1400" dirty="0"/>
-              <a:t>: Percent change between the S&amp;P 500’s 50-Day Simple Moving Average and 	the S&amp;P 500’s 100-Day Simple Moving Average</a:t>
-            </a:r>
-          </a:p>
-        </p:txBody>
-      </p:sp>
-      <p:sp>
-        <p:nvSpPr>
-          <p:cNvPr id="5" name="TextBox 4">
-            <a:extLst>
-              <a:ext uri="{FF2B5EF4-FFF2-40B4-BE49-F238E27FC236}">
-                <a16:creationId xmlns:a16="http://schemas.microsoft.com/office/drawing/2014/main" id="{ABD0D76E-B02E-45A6-9B11-087AB6FB8052}"/>
-              </a:ext>
-            </a:extLst>
-          </p:cNvPr>
-          <p:cNvSpPr txBox="1"/>
-          <p:nvPr/>
-        </p:nvSpPr>
-        <p:spPr>
-          <a:xfrm>
-            <a:off x="1836310" y="2158635"/>
-            <a:ext cx="7926265" cy="523220"/>
-          </a:xfrm>
-          <a:prstGeom prst="rect">
-            <a:avLst/>
-          </a:prstGeom>
-          <a:noFill/>
-        </p:spPr>
-        <p:txBody>
-          <a:bodyPr wrap="square" rtlCol="0">
-            <a:spAutoFit/>
-          </a:bodyPr>
-          <a:lstStyle/>
-          <a:p>
-            <a:pPr lvl="1"/>
-            <a:r>
-              <a:rPr lang="en-US" sz="1400" u="sng" dirty="0"/>
-              <a:t>50SMA%200SMA</a:t>
-            </a:r>
-            <a:r>
-              <a:rPr lang="en-US" sz="1400" dirty="0"/>
-              <a:t>: Percent change between the S&amp;P 500’s 50-Day Simple Moving Average and 	the S&amp;P 500’s 200-Day Simple Moving Average</a:t>
-            </a:r>
-          </a:p>
-        </p:txBody>
-      </p:sp>
-      <p:sp>
-        <p:nvSpPr>
-          <p:cNvPr id="6" name="TextBox 5">
-            <a:extLst>
-              <a:ext uri="{FF2B5EF4-FFF2-40B4-BE49-F238E27FC236}">
-                <a16:creationId xmlns:a16="http://schemas.microsoft.com/office/drawing/2014/main" id="{601DCC83-6B84-4F72-88B5-D23006D5C52E}"/>
-              </a:ext>
-            </a:extLst>
-          </p:cNvPr>
-          <p:cNvSpPr txBox="1"/>
-          <p:nvPr/>
-        </p:nvSpPr>
-        <p:spPr>
-          <a:xfrm>
-            <a:off x="1836309" y="2681855"/>
-            <a:ext cx="7926265" cy="523220"/>
-          </a:xfrm>
-          <a:prstGeom prst="rect">
-            <a:avLst/>
-          </a:prstGeom>
-          <a:noFill/>
-        </p:spPr>
-        <p:txBody>
-          <a:bodyPr wrap="square" rtlCol="0">
-            <a:spAutoFit/>
-          </a:bodyPr>
-          <a:lstStyle/>
-          <a:p>
-            <a:pPr lvl="1"/>
-            <a:r>
-              <a:rPr lang="en-US" sz="1400" u="sng" dirty="0"/>
-              <a:t>100SMA%200SMA</a:t>
-            </a:r>
-            <a:r>
-              <a:rPr lang="en-US" sz="1400" dirty="0"/>
-              <a:t>: Percent change between the S&amp;P 500’s 100-Day Simple Moving Average and 	the S&amp;P 500’s 200-Day Simple Moving Average</a:t>
-            </a:r>
-          </a:p>
-        </p:txBody>
-      </p:sp>
-      <p:sp>
-        <p:nvSpPr>
-          <p:cNvPr id="7" name="TextBox 6">
-            <a:extLst>
-              <a:ext uri="{FF2B5EF4-FFF2-40B4-BE49-F238E27FC236}">
-                <a16:creationId xmlns:a16="http://schemas.microsoft.com/office/drawing/2014/main" id="{613FA2BC-EF4B-479F-BFC2-633129097581}"/>
-              </a:ext>
-            </a:extLst>
-          </p:cNvPr>
-          <p:cNvSpPr txBox="1"/>
-          <p:nvPr/>
-        </p:nvSpPr>
-        <p:spPr>
-          <a:xfrm>
-            <a:off x="1836309" y="3205075"/>
-            <a:ext cx="7926265" cy="523220"/>
-          </a:xfrm>
-          <a:prstGeom prst="rect">
-            <a:avLst/>
-          </a:prstGeom>
-          <a:noFill/>
-        </p:spPr>
-        <p:txBody>
-          <a:bodyPr wrap="square" rtlCol="0">
-            <a:spAutoFit/>
-          </a:bodyPr>
-          <a:lstStyle/>
-          <a:p>
-            <a:pPr lvl="1"/>
-            <a:r>
-              <a:rPr lang="en-US" sz="1400" u="sng" dirty="0"/>
-              <a:t>SP500%12WMA</a:t>
-            </a:r>
-            <a:r>
-              <a:rPr lang="en-US" sz="1400" dirty="0"/>
-              <a:t>: Percent change between the S&amp;P 500 and the S&amp;P 500’s 12-Day Weighted 	Moving Average </a:t>
-            </a:r>
-          </a:p>
-        </p:txBody>
-      </p:sp>
-      <p:sp>
-        <p:nvSpPr>
-          <p:cNvPr id="21" name="TextBox 20">
-            <a:extLst>
-              <a:ext uri="{FF2B5EF4-FFF2-40B4-BE49-F238E27FC236}">
-                <a16:creationId xmlns:a16="http://schemas.microsoft.com/office/drawing/2014/main" id="{806CC6E2-8C6D-4DCE-A821-21D26A54E841}"/>
-              </a:ext>
-            </a:extLst>
-          </p:cNvPr>
-          <p:cNvSpPr txBox="1"/>
-          <p:nvPr/>
-        </p:nvSpPr>
-        <p:spPr>
-          <a:xfrm>
-            <a:off x="1836309" y="3728295"/>
-            <a:ext cx="7926265" cy="523220"/>
-          </a:xfrm>
-          <a:prstGeom prst="rect">
-            <a:avLst/>
-          </a:prstGeom>
-          <a:noFill/>
-        </p:spPr>
-        <p:txBody>
-          <a:bodyPr wrap="square" rtlCol="0">
-            <a:spAutoFit/>
-          </a:bodyPr>
-          <a:lstStyle/>
-          <a:p>
-            <a:pPr lvl="1"/>
-            <a:r>
-              <a:rPr lang="en-US" sz="1400" u="sng" dirty="0"/>
-              <a:t>SP500%12EMA</a:t>
-            </a:r>
-            <a:r>
-              <a:rPr lang="en-US" sz="1400" dirty="0"/>
-              <a:t>: Percent change between the S&amp;P 500 and the S&amp;P 500’s 12-Day Exponential 	Moving Average </a:t>
-            </a:r>
-          </a:p>
-        </p:txBody>
-      </p:sp>
-      <p:sp>
-        <p:nvSpPr>
-          <p:cNvPr id="23" name="TextBox 22">
-            <a:extLst>
-              <a:ext uri="{FF2B5EF4-FFF2-40B4-BE49-F238E27FC236}">
-                <a16:creationId xmlns:a16="http://schemas.microsoft.com/office/drawing/2014/main" id="{40A824C8-B955-4BAA-A83D-C430BD456859}"/>
-              </a:ext>
-            </a:extLst>
-          </p:cNvPr>
-          <p:cNvSpPr txBox="1"/>
-          <p:nvPr/>
-        </p:nvSpPr>
-        <p:spPr>
-          <a:xfrm>
-            <a:off x="1836309" y="4251515"/>
-            <a:ext cx="7926265" cy="523220"/>
-          </a:xfrm>
-          <a:prstGeom prst="rect">
-            <a:avLst/>
-          </a:prstGeom>
-          <a:noFill/>
-        </p:spPr>
-        <p:txBody>
-          <a:bodyPr wrap="square" rtlCol="0">
-            <a:spAutoFit/>
-          </a:bodyPr>
-          <a:lstStyle/>
-          <a:p>
-            <a:pPr lvl="1"/>
-            <a:r>
-              <a:rPr lang="en-US" sz="1400" u="sng" dirty="0"/>
-              <a:t>SP500%26EMA</a:t>
-            </a:r>
-            <a:r>
-              <a:rPr lang="en-US" sz="1400" dirty="0"/>
-              <a:t>: Percent change between the S&amp;P 500 and the S&amp;P 500’s 26-Day Exponential 	Moving Average </a:t>
-            </a:r>
-          </a:p>
-        </p:txBody>
-      </p:sp>
-      <p:sp>
-        <p:nvSpPr>
-          <p:cNvPr id="25" name="TextBox 24">
-            <a:extLst>
-              <a:ext uri="{FF2B5EF4-FFF2-40B4-BE49-F238E27FC236}">
-                <a16:creationId xmlns:a16="http://schemas.microsoft.com/office/drawing/2014/main" id="{BE7BE3BA-762B-49D6-B7DA-4053589E9C2B}"/>
-              </a:ext>
-            </a:extLst>
-          </p:cNvPr>
-          <p:cNvSpPr txBox="1"/>
-          <p:nvPr/>
-        </p:nvSpPr>
-        <p:spPr>
-          <a:xfrm>
-            <a:off x="1836308" y="4774735"/>
-            <a:ext cx="7926265" cy="523220"/>
-          </a:xfrm>
-          <a:prstGeom prst="rect">
-            <a:avLst/>
-          </a:prstGeom>
-          <a:noFill/>
-        </p:spPr>
-        <p:txBody>
-          <a:bodyPr wrap="square" rtlCol="0">
-            <a:spAutoFit/>
-          </a:bodyPr>
-          <a:lstStyle/>
-          <a:p>
-            <a:pPr lvl="1"/>
-            <a:r>
-              <a:rPr lang="en-US" sz="1400" u="sng" dirty="0"/>
-              <a:t>SP500%50SMA</a:t>
-            </a:r>
-            <a:r>
-              <a:rPr lang="en-US" sz="1400" dirty="0"/>
-              <a:t>: Percent change between the S&amp;P 500 and the S&amp;P 500’s 50-Day Simple Moving 	Average </a:t>
-            </a:r>
-          </a:p>
-        </p:txBody>
-      </p:sp>
-      <p:sp>
-        <p:nvSpPr>
-          <p:cNvPr id="27" name="TextBox 26">
-            <a:extLst>
-              <a:ext uri="{FF2B5EF4-FFF2-40B4-BE49-F238E27FC236}">
-                <a16:creationId xmlns:a16="http://schemas.microsoft.com/office/drawing/2014/main" id="{8BFFA021-C85D-40EE-93B1-B7F9F74EC3B3}"/>
-              </a:ext>
-            </a:extLst>
-          </p:cNvPr>
-          <p:cNvSpPr txBox="1"/>
-          <p:nvPr/>
-        </p:nvSpPr>
-        <p:spPr>
-          <a:xfrm>
-            <a:off x="1836308" y="5297955"/>
-            <a:ext cx="7926265" cy="523220"/>
-          </a:xfrm>
-          <a:prstGeom prst="rect">
-            <a:avLst/>
-          </a:prstGeom>
-          <a:noFill/>
-        </p:spPr>
-        <p:txBody>
-          <a:bodyPr wrap="square" rtlCol="0">
-            <a:spAutoFit/>
-          </a:bodyPr>
-          <a:lstStyle/>
-          <a:p>
-            <a:pPr lvl="1"/>
-            <a:r>
-              <a:rPr lang="en-US" sz="1400" u="sng" dirty="0"/>
-              <a:t>SP500%100SMA</a:t>
-            </a:r>
-            <a:r>
-              <a:rPr lang="en-US" sz="1400" dirty="0"/>
-              <a:t>: Percent change between the S&amp;P 500 and the S&amp;P 500’s 100-Day Simple Moving 	Average </a:t>
-            </a:r>
-          </a:p>
-        </p:txBody>
-      </p:sp>
-      <p:sp>
-        <p:nvSpPr>
-          <p:cNvPr id="29" name="TextBox 28">
-            <a:extLst>
-              <a:ext uri="{FF2B5EF4-FFF2-40B4-BE49-F238E27FC236}">
-                <a16:creationId xmlns:a16="http://schemas.microsoft.com/office/drawing/2014/main" id="{B91535A0-52F6-4462-8202-86B88C99D549}"/>
-              </a:ext>
-            </a:extLst>
-          </p:cNvPr>
-          <p:cNvSpPr txBox="1"/>
-          <p:nvPr/>
-        </p:nvSpPr>
-        <p:spPr>
-          <a:xfrm>
-            <a:off x="1836307" y="5821175"/>
-            <a:ext cx="7926265" cy="523220"/>
-          </a:xfrm>
-          <a:prstGeom prst="rect">
-            <a:avLst/>
-          </a:prstGeom>
-          <a:noFill/>
-        </p:spPr>
-        <p:txBody>
-          <a:bodyPr wrap="square" rtlCol="0">
-            <a:spAutoFit/>
-          </a:bodyPr>
-          <a:lstStyle/>
-          <a:p>
-            <a:pPr lvl="1"/>
-            <a:r>
-              <a:rPr lang="en-US" sz="1400" u="sng" dirty="0"/>
-              <a:t>SP500%200SMA</a:t>
-            </a:r>
-            <a:r>
-              <a:rPr lang="en-US" sz="1400" dirty="0"/>
-              <a:t>: Percent change between the S&amp;P 500 and the S&amp;P 500’s 200-Day Simple Moving 	Average </a:t>
-            </a:r>
-          </a:p>
-        </p:txBody>
-      </p:sp>
-    </p:spTree>
-    <p:extLst>
-      <p:ext uri="{BB962C8B-B14F-4D97-AF65-F5344CB8AC3E}">
-        <p14:creationId xmlns:p14="http://schemas.microsoft.com/office/powerpoint/2010/main" val="1417610254"/>
-      </p:ext>
-    </p:extLst>
-  </p:cSld>
-  <p:clrMapOvr>
-    <a:masterClrMapping/>
-  </p:clrMapOvr>
-  <mc:AlternateContent xmlns:mc="http://schemas.openxmlformats.org/markup-compatibility/2006" xmlns:p14="http://schemas.microsoft.com/office/powerpoint/2010/main">
-    <mc:Choice Requires="p14">
-      <p:transition p14:dur="10"/>
-    </mc:Choice>
-    <mc:Fallback xmlns="">
-      <p:transition/>
-    </mc:Fallback>
-  </mc:AlternateContent>
-</p:sld>
-</file>
-
-<file path=ppt/slides/slide22.xml><?xml version="1.0" encoding="utf-8"?>
-<p:sld xmlns:a="http://schemas.openxmlformats.org/drawingml/2006/main" xmlns:r="http://schemas.openxmlformats.org/officeDocument/2006/relationships" xmlns:p="http://schemas.openxmlformats.org/presentationml/2006/main">
-  <p:cSld>
-    <p:spTree>
-      <p:nvGrpSpPr>
-        <p:cNvPr id="1" name=""/>
-        <p:cNvGrpSpPr/>
-        <p:nvPr/>
-      </p:nvGrpSpPr>
-      <p:grpSpPr>
-        <a:xfrm>
-          <a:off x="0" y="0"/>
-          <a:ext cx="0" cy="0"/>
-          <a:chOff x="0" y="0"/>
-          <a:chExt cx="0" cy="0"/>
-        </a:xfrm>
-      </p:grpSpPr>
-      <p:sp>
-        <p:nvSpPr>
-          <p:cNvPr id="18" name="TextBox 17">
-            <a:extLst>
-              <a:ext uri="{FF2B5EF4-FFF2-40B4-BE49-F238E27FC236}">
-                <a16:creationId xmlns:a16="http://schemas.microsoft.com/office/drawing/2014/main" id="{98B7D407-E1C7-49FD-B719-EA882F1C8A5F}"/>
-              </a:ext>
-            </a:extLst>
-          </p:cNvPr>
-          <p:cNvSpPr txBox="1"/>
-          <p:nvPr/>
-        </p:nvSpPr>
-        <p:spPr>
-          <a:xfrm>
-            <a:off x="1836311" y="1112195"/>
-            <a:ext cx="7926265" cy="523220"/>
-          </a:xfrm>
-          <a:prstGeom prst="rect">
-            <a:avLst/>
-          </a:prstGeom>
-          <a:noFill/>
-        </p:spPr>
-        <p:txBody>
-          <a:bodyPr wrap="square" rtlCol="0">
-            <a:spAutoFit/>
-          </a:bodyPr>
-          <a:lstStyle/>
-          <a:p>
-            <a:pPr lvl="1"/>
-            <a:r>
-              <a:rPr lang="en-US" sz="1400" u="sng" dirty="0"/>
-              <a:t>SP500%3Upper</a:t>
-            </a:r>
-            <a:r>
-              <a:rPr lang="en-US" sz="1400" dirty="0"/>
-              <a:t>: Percent change between the S&amp;P 500 and the S&amp;P 500’s Upper, Third Standard 	Deviation</a:t>
-            </a:r>
-          </a:p>
-        </p:txBody>
-      </p:sp>
-      <p:sp>
-        <p:nvSpPr>
-          <p:cNvPr id="8" name="Content Placeholder 2">
-            <a:extLst>
-              <a:ext uri="{FF2B5EF4-FFF2-40B4-BE49-F238E27FC236}">
-                <a16:creationId xmlns:a16="http://schemas.microsoft.com/office/drawing/2014/main" id="{54F94B27-21AC-49D6-8639-BA184CE9ED5F}"/>
-              </a:ext>
-            </a:extLst>
-          </p:cNvPr>
-          <p:cNvSpPr>
-            <a:spLocks noGrp="1"/>
-          </p:cNvSpPr>
-          <p:nvPr>
-            <p:ph idx="1"/>
-          </p:nvPr>
-        </p:nvSpPr>
-        <p:spPr>
-          <a:xfrm>
-            <a:off x="0" y="165110"/>
-            <a:ext cx="12192000" cy="576005"/>
-          </a:xfrm>
-        </p:spPr>
-        <p:txBody>
-          <a:bodyPr>
-            <a:normAutofit/>
-          </a:bodyPr>
-          <a:lstStyle/>
-          <a:p>
-            <a:pPr marL="0" indent="0" algn="ctr">
-              <a:buNone/>
-            </a:pPr>
-            <a:r>
-              <a:rPr lang="en-US" sz="2800" dirty="0"/>
-              <a:t>Appendix</a:t>
-            </a:r>
-          </a:p>
-        </p:txBody>
-      </p:sp>
-      <p:sp>
-        <p:nvSpPr>
           <p:cNvPr id="3" name="TextBox 2">
             <a:extLst>
               <a:ext uri="{FF2B5EF4-FFF2-40B4-BE49-F238E27FC236}">
@@ -19749,7 +18687,7 @@
 </p:sld>
 </file>
 
-<file path=ppt/slides/slide3.xml><?xml version="1.0" encoding="utf-8"?>
+<file path=ppt/slides/slide21.xml><?xml version="1.0" encoding="utf-8"?>
 <p:sld xmlns:a="http://schemas.openxmlformats.org/drawingml/2006/main" xmlns:r="http://schemas.openxmlformats.org/officeDocument/2006/relationships" xmlns:p="http://schemas.openxmlformats.org/presentationml/2006/main">
   <p:cSld>
     <p:spTree>
@@ -20317,7 +19255,7 @@
 </p:sld>
 </file>
 
-<file path=ppt/slides/slide4.xml><?xml version="1.0" encoding="utf-8"?>
+<file path=ppt/slides/slide22.xml><?xml version="1.0" encoding="utf-8"?>
 <p:sld xmlns:a="http://schemas.openxmlformats.org/drawingml/2006/main" xmlns:r="http://schemas.openxmlformats.org/officeDocument/2006/relationships" xmlns:p="http://schemas.openxmlformats.org/presentationml/2006/main">
   <p:cSld>
     <p:spTree>
@@ -20795,7 +19733,7 @@
 </p:sld>
 </file>
 
-<file path=ppt/slides/slide5.xml><?xml version="1.0" encoding="utf-8"?>
+<file path=ppt/slides/slide3.xml><?xml version="1.0" encoding="utf-8"?>
 <p:sld xmlns:a="http://schemas.openxmlformats.org/drawingml/2006/main" xmlns:r="http://schemas.openxmlformats.org/officeDocument/2006/relationships" xmlns:p="http://schemas.openxmlformats.org/presentationml/2006/main">
   <p:cSld>
     <p:spTree>
@@ -21365,7 +20303,7 @@
 </p:sld>
 </file>
 
-<file path=ppt/slides/slide6.xml><?xml version="1.0" encoding="utf-8"?>
+<file path=ppt/slides/slide4.xml><?xml version="1.0" encoding="utf-8"?>
 <p:sld xmlns:a="http://schemas.openxmlformats.org/drawingml/2006/main" xmlns:r="http://schemas.openxmlformats.org/officeDocument/2006/relationships" xmlns:p="http://schemas.openxmlformats.org/presentationml/2006/main">
   <p:cSld>
     <p:spTree>
@@ -21833,7 +20771,7 @@
 </p:sld>
 </file>
 
-<file path=ppt/slides/slide7.xml><?xml version="1.0" encoding="utf-8"?>
+<file path=ppt/slides/slide5.xml><?xml version="1.0" encoding="utf-8"?>
 <p:sld xmlns:a="http://schemas.openxmlformats.org/drawingml/2006/main" xmlns:r="http://schemas.openxmlformats.org/officeDocument/2006/relationships" xmlns:p="http://schemas.openxmlformats.org/presentationml/2006/main">
   <p:cSld>
     <p:spTree>
@@ -22301,7 +21239,7 @@
 </p:sld>
 </file>
 
-<file path=ppt/slides/slide8.xml><?xml version="1.0" encoding="utf-8"?>
+<file path=ppt/slides/slide6.xml><?xml version="1.0" encoding="utf-8"?>
 <p:sld xmlns:a="http://schemas.openxmlformats.org/drawingml/2006/main" xmlns:r="http://schemas.openxmlformats.org/officeDocument/2006/relationships" xmlns:p="http://schemas.openxmlformats.org/presentationml/2006/main">
   <p:cSld>
     <p:spTree>
@@ -22986,7 +21924,7 @@
 </p:sld>
 </file>
 
-<file path=ppt/slides/slide9.xml><?xml version="1.0" encoding="utf-8"?>
+<file path=ppt/slides/slide7.xml><?xml version="1.0" encoding="utf-8"?>
 <p:sld xmlns:a="http://schemas.openxmlformats.org/drawingml/2006/main" xmlns:r="http://schemas.openxmlformats.org/officeDocument/2006/relationships" xmlns:p="http://schemas.openxmlformats.org/presentationml/2006/main">
   <p:cSld>
     <p:spTree>
@@ -23510,6 +22448,1068 @@
     <p:extLst>
       <p:ext uri="{BB962C8B-B14F-4D97-AF65-F5344CB8AC3E}">
         <p14:creationId xmlns:p14="http://schemas.microsoft.com/office/powerpoint/2010/main" val="2970034469"/>
+      </p:ext>
+    </p:extLst>
+  </p:cSld>
+  <p:clrMapOvr>
+    <a:masterClrMapping/>
+  </p:clrMapOvr>
+  <mc:AlternateContent xmlns:mc="http://schemas.openxmlformats.org/markup-compatibility/2006" xmlns:p14="http://schemas.microsoft.com/office/powerpoint/2010/main">
+    <mc:Choice Requires="p14">
+      <p:transition p14:dur="10" advClick="0" advTm="500"/>
+    </mc:Choice>
+    <mc:Fallback xmlns="">
+      <p:transition advClick="0" advTm="500"/>
+    </mc:Fallback>
+  </mc:AlternateContent>
+</p:sld>
+</file>
+
+<file path=ppt/slides/slide8.xml><?xml version="1.0" encoding="utf-8"?>
+<p:sld xmlns:a="http://schemas.openxmlformats.org/drawingml/2006/main" xmlns:r="http://schemas.openxmlformats.org/officeDocument/2006/relationships" xmlns:p="http://schemas.openxmlformats.org/presentationml/2006/main">
+  <p:cSld>
+    <p:spTree>
+      <p:nvGrpSpPr>
+        <p:cNvPr id="1" name=""/>
+        <p:cNvGrpSpPr/>
+        <p:nvPr/>
+      </p:nvGrpSpPr>
+      <p:grpSpPr>
+        <a:xfrm>
+          <a:off x="0" y="0"/>
+          <a:ext cx="0" cy="0"/>
+          <a:chOff x="0" y="0"/>
+          <a:chExt cx="0" cy="0"/>
+        </a:xfrm>
+      </p:grpSpPr>
+      <p:sp>
+        <p:nvSpPr>
+          <p:cNvPr id="6" name="TextBox 5">
+            <a:extLst>
+              <a:ext uri="{FF2B5EF4-FFF2-40B4-BE49-F238E27FC236}">
+                <a16:creationId xmlns:a16="http://schemas.microsoft.com/office/drawing/2014/main" id="{DAB6C54A-3904-435D-98A4-BFAA06891B3F}"/>
+              </a:ext>
+            </a:extLst>
+          </p:cNvPr>
+          <p:cNvSpPr txBox="1"/>
+          <p:nvPr/>
+        </p:nvSpPr>
+        <p:spPr>
+          <a:xfrm>
+            <a:off x="280892" y="262222"/>
+            <a:ext cx="6615940" cy="6386364"/>
+          </a:xfrm>
+          <a:prstGeom prst="rect">
+            <a:avLst/>
+          </a:prstGeom>
+          <a:noFill/>
+        </p:spPr>
+        <p:txBody>
+          <a:bodyPr wrap="square" rtlCol="0">
+            <a:spAutoFit/>
+          </a:bodyPr>
+          <a:lstStyle/>
+          <a:p>
+            <a:r>
+              <a:rPr lang="en-US" dirty="0"/>
+              <a:t>Criteria:</a:t>
+            </a:r>
+          </a:p>
+          <a:p>
+            <a:r>
+              <a:rPr lang="en-US" dirty="0"/>
+              <a:t>S&amp;P 500 Day(s) Forward Return: 5</a:t>
+            </a:r>
+          </a:p>
+          <a:p>
+            <a:r>
+              <a:rPr lang="en-US" dirty="0"/>
+              <a:t>Number of Return Percentile Bins: 5</a:t>
+            </a:r>
+          </a:p>
+          <a:p>
+            <a:r>
+              <a:rPr lang="en-US" dirty="0"/>
+              <a:t>	1: Lowest 20% Returns	Below 	-1.47%</a:t>
+            </a:r>
+          </a:p>
+          <a:p>
+            <a:r>
+              <a:rPr lang="en-US" dirty="0"/>
+              <a:t>	2: 20% to 40%		Between 	-1.47% and -0.14%</a:t>
+            </a:r>
+          </a:p>
+          <a:p>
+            <a:r>
+              <a:rPr lang="en-US" dirty="0"/>
+              <a:t>	3: 40% to 60%		Between 	-0.14% and 0.72%</a:t>
+            </a:r>
+          </a:p>
+          <a:p>
+            <a:r>
+              <a:rPr lang="en-US" dirty="0"/>
+              <a:t>	4: 60% to 80%		Between 	 0.72% and 1.74%</a:t>
+            </a:r>
+          </a:p>
+          <a:p>
+            <a:r>
+              <a:rPr lang="en-US" dirty="0"/>
+              <a:t>	5: Highest 20% Returns	Above	 1.74%</a:t>
+            </a:r>
+          </a:p>
+          <a:p>
+            <a:endParaRPr lang="en-US" dirty="0"/>
+          </a:p>
+          <a:p>
+            <a:endParaRPr lang="en-US" dirty="0"/>
+          </a:p>
+          <a:p>
+            <a:r>
+              <a:rPr lang="en-US" dirty="0"/>
+              <a:t>X-Feature Inputs:					K Neighbors: 39</a:t>
+            </a:r>
+          </a:p>
+          <a:p>
+            <a:r>
+              <a:rPr lang="en-US" sz="1100" dirty="0"/>
+              <a:t>				</a:t>
+            </a:r>
+          </a:p>
+          <a:p>
+            <a:pPr marL="628650" lvl="1" indent="-171450">
+              <a:buFontTx/>
+              <a:buChar char="-"/>
+            </a:pPr>
+            <a:r>
+              <a:rPr lang="en-US" sz="1000" b="1" dirty="0"/>
+              <a:t>12WMA%12EMA</a:t>
+            </a:r>
+            <a:r>
+              <a:rPr lang="en-US" sz="1000" b="1" dirty="0">
+                <a:solidFill>
+                  <a:schemeClr val="tx1">
+                    <a:lumMod val="50000"/>
+                  </a:schemeClr>
+                </a:solidFill>
+              </a:rPr>
+              <a:t>		</a:t>
+            </a:r>
+          </a:p>
+          <a:p>
+            <a:pPr marL="628650" lvl="1" indent="-171450">
+              <a:buFontTx/>
+              <a:buChar char="-"/>
+            </a:pPr>
+            <a:r>
+              <a:rPr lang="en-US" sz="1000" b="1" dirty="0">
+                <a:solidFill>
+                  <a:schemeClr val="tx1">
+                    <a:lumMod val="50000"/>
+                  </a:schemeClr>
+                </a:solidFill>
+              </a:rPr>
+              <a:t>12WMA%26EMA		</a:t>
+            </a:r>
+          </a:p>
+          <a:p>
+            <a:pPr marL="628650" lvl="1" indent="-171450">
+              <a:buFontTx/>
+              <a:buChar char="-"/>
+            </a:pPr>
+            <a:r>
+              <a:rPr lang="en-US" sz="1000" b="1" dirty="0">
+                <a:solidFill>
+                  <a:schemeClr val="tx1">
+                    <a:lumMod val="50000"/>
+                  </a:schemeClr>
+                </a:solidFill>
+              </a:rPr>
+              <a:t>12EMA%26EMA		</a:t>
+            </a:r>
+          </a:p>
+          <a:p>
+            <a:pPr marL="628650" lvl="1" indent="-171450">
+              <a:buFontTx/>
+              <a:buChar char="-"/>
+            </a:pPr>
+            <a:r>
+              <a:rPr lang="en-US" sz="1000" b="1" dirty="0"/>
+              <a:t>50SMA%100SMA</a:t>
+            </a:r>
+            <a:r>
+              <a:rPr lang="en-US" sz="1000" b="1" dirty="0">
+                <a:solidFill>
+                  <a:schemeClr val="tx1">
+                    <a:lumMod val="50000"/>
+                  </a:schemeClr>
+                </a:solidFill>
+              </a:rPr>
+              <a:t>		</a:t>
+            </a:r>
+          </a:p>
+          <a:p>
+            <a:pPr marL="628650" lvl="1" indent="-171450">
+              <a:buFontTx/>
+              <a:buChar char="-"/>
+            </a:pPr>
+            <a:r>
+              <a:rPr lang="en-US" sz="1000" b="1" dirty="0">
+                <a:solidFill>
+                  <a:schemeClr val="tx1">
+                    <a:lumMod val="50000"/>
+                  </a:schemeClr>
+                </a:solidFill>
+              </a:rPr>
+              <a:t>50SMA%200SMA		</a:t>
+            </a:r>
+          </a:p>
+          <a:p>
+            <a:pPr marL="628650" lvl="1" indent="-171450">
+              <a:buFontTx/>
+              <a:buChar char="-"/>
+            </a:pPr>
+            <a:r>
+              <a:rPr lang="en-US" sz="1000" b="1" dirty="0">
+                <a:solidFill>
+                  <a:schemeClr val="tx1">
+                    <a:lumMod val="50000"/>
+                  </a:schemeClr>
+                </a:solidFill>
+              </a:rPr>
+              <a:t>100SMA%200SMA	</a:t>
+            </a:r>
+            <a:r>
+              <a:rPr lang="en-US" sz="1000" b="1" dirty="0"/>
+              <a:t>	</a:t>
+            </a:r>
+          </a:p>
+          <a:p>
+            <a:pPr marL="628650" lvl="1" indent="-171450">
+              <a:buFontTx/>
+              <a:buChar char="-"/>
+            </a:pPr>
+            <a:r>
+              <a:rPr lang="en-US" sz="1000" b="1" dirty="0"/>
+              <a:t>RSI				</a:t>
+            </a:r>
+          </a:p>
+          <a:p>
+            <a:pPr marL="628650" lvl="1" indent="-171450">
+              <a:buFontTx/>
+              <a:buChar char="-"/>
+            </a:pPr>
+            <a:r>
+              <a:rPr lang="en-US" sz="1000" b="1" dirty="0"/>
+              <a:t>SP500 </a:t>
+            </a:r>
+            <a:r>
+              <a:rPr lang="en-US" sz="1000" b="1" dirty="0" err="1"/>
+              <a:t>corr</a:t>
+            </a:r>
+            <a:r>
+              <a:rPr lang="en-US" sz="1000" b="1" dirty="0"/>
+              <a:t> 6Mo-3Mo % Ret</a:t>
+            </a:r>
+          </a:p>
+          <a:p>
+            <a:pPr marL="628650" lvl="1" indent="-171450">
+              <a:buFontTx/>
+              <a:buChar char="-"/>
+            </a:pPr>
+            <a:r>
+              <a:rPr lang="en-US" sz="1000" b="1" dirty="0" err="1"/>
+              <a:t>Div</a:t>
+            </a:r>
+            <a:r>
+              <a:rPr lang="en-US" sz="1000" b="1" dirty="0"/>
+              <a:t>/10Yr-2Yr</a:t>
+            </a:r>
+          </a:p>
+          <a:p>
+            <a:pPr marL="628650" lvl="1" indent="-171450">
+              <a:buFontTx/>
+              <a:buChar char="-"/>
+            </a:pPr>
+            <a:r>
+              <a:rPr lang="en-US" sz="1000" b="1" dirty="0"/>
+              <a:t>SP500%12WMA</a:t>
+            </a:r>
+          </a:p>
+          <a:p>
+            <a:pPr marL="628650" lvl="1" indent="-171450">
+              <a:buFontTx/>
+              <a:buChar char="-"/>
+            </a:pPr>
+            <a:r>
+              <a:rPr lang="en-US" sz="1000" b="1" dirty="0">
+                <a:solidFill>
+                  <a:schemeClr val="tx1">
+                    <a:lumMod val="50000"/>
+                  </a:schemeClr>
+                </a:solidFill>
+              </a:rPr>
+              <a:t>SP500%12EMA</a:t>
+            </a:r>
+          </a:p>
+          <a:p>
+            <a:pPr marL="628650" lvl="1" indent="-171450">
+              <a:buFontTx/>
+              <a:buChar char="-"/>
+            </a:pPr>
+            <a:r>
+              <a:rPr lang="en-US" sz="1000" b="1" dirty="0">
+                <a:solidFill>
+                  <a:schemeClr val="tx1">
+                    <a:lumMod val="50000"/>
+                  </a:schemeClr>
+                </a:solidFill>
+              </a:rPr>
+              <a:t>SP500%26EMA</a:t>
+            </a:r>
+          </a:p>
+          <a:p>
+            <a:pPr marL="628650" lvl="1" indent="-171450">
+              <a:buFontTx/>
+              <a:buChar char="-"/>
+            </a:pPr>
+            <a:r>
+              <a:rPr lang="en-US" sz="1000" b="1" dirty="0">
+                <a:solidFill>
+                  <a:schemeClr val="tx1">
+                    <a:lumMod val="50000"/>
+                  </a:schemeClr>
+                </a:solidFill>
+              </a:rPr>
+              <a:t>SP500%50SMA</a:t>
+            </a:r>
+          </a:p>
+          <a:p>
+            <a:pPr marL="628650" lvl="1" indent="-171450">
+              <a:buFontTx/>
+              <a:buChar char="-"/>
+            </a:pPr>
+            <a:r>
+              <a:rPr lang="en-US" sz="1000" b="1" dirty="0">
+                <a:solidFill>
+                  <a:schemeClr val="tx1">
+                    <a:lumMod val="50000"/>
+                  </a:schemeClr>
+                </a:solidFill>
+              </a:rPr>
+              <a:t>SP500%100SMA</a:t>
+            </a:r>
+          </a:p>
+          <a:p>
+            <a:pPr marL="628650" lvl="1" indent="-171450">
+              <a:buFontTx/>
+              <a:buChar char="-"/>
+            </a:pPr>
+            <a:r>
+              <a:rPr lang="en-US" sz="1000" b="1" dirty="0">
+                <a:solidFill>
+                  <a:schemeClr val="tx1">
+                    <a:lumMod val="50000"/>
+                  </a:schemeClr>
+                </a:solidFill>
+              </a:rPr>
+              <a:t>SP500%200SMA</a:t>
+            </a:r>
+          </a:p>
+          <a:p>
+            <a:pPr marL="628650" lvl="1" indent="-171450">
+              <a:buFontTx/>
+              <a:buChar char="-"/>
+            </a:pPr>
+            <a:r>
+              <a:rPr lang="en-US" sz="1000" b="1" dirty="0"/>
+              <a:t>SP500%3Upper</a:t>
+            </a:r>
+          </a:p>
+          <a:p>
+            <a:pPr marL="628650" lvl="1" indent="-171450">
+              <a:buFontTx/>
+              <a:buChar char="-"/>
+            </a:pPr>
+            <a:r>
+              <a:rPr lang="en-US" sz="1000" b="1" dirty="0"/>
+              <a:t>SP500%2Upper</a:t>
+            </a:r>
+          </a:p>
+          <a:p>
+            <a:pPr marL="628650" lvl="1" indent="-171450">
+              <a:buFontTx/>
+              <a:buChar char="-"/>
+            </a:pPr>
+            <a:r>
+              <a:rPr lang="en-US" sz="1000" b="1" dirty="0"/>
+              <a:t>SP500%Middle20Day</a:t>
+            </a:r>
+          </a:p>
+          <a:p>
+            <a:pPr marL="628650" lvl="1" indent="-171450">
+              <a:buFontTx/>
+              <a:buChar char="-"/>
+            </a:pPr>
+            <a:r>
+              <a:rPr lang="en-US" sz="1000" b="1" dirty="0"/>
+              <a:t>SP500%2Lower</a:t>
+            </a:r>
+          </a:p>
+          <a:p>
+            <a:pPr marL="628650" lvl="1" indent="-171450">
+              <a:buFontTx/>
+              <a:buChar char="-"/>
+            </a:pPr>
+            <a:r>
+              <a:rPr lang="en-US" sz="1000" b="1" dirty="0"/>
+              <a:t>SP500%3Lower</a:t>
+            </a:r>
+          </a:p>
+        </p:txBody>
+      </p:sp>
+      <p:pic>
+        <p:nvPicPr>
+          <p:cNvPr id="3" name="Picture 2">
+            <a:extLst>
+              <a:ext uri="{FF2B5EF4-FFF2-40B4-BE49-F238E27FC236}">
+                <a16:creationId xmlns:a16="http://schemas.microsoft.com/office/drawing/2014/main" id="{88491A1C-EE7D-4F1D-A3DB-4AEB1BBC6071}"/>
+              </a:ext>
+            </a:extLst>
+          </p:cNvPr>
+          <p:cNvPicPr>
+            <a:picLocks noChangeAspect="1"/>
+          </p:cNvPicPr>
+          <p:nvPr/>
+        </p:nvPicPr>
+        <p:blipFill>
+          <a:blip r:embed="rId2"/>
+          <a:stretch>
+            <a:fillRect/>
+          </a:stretch>
+        </p:blipFill>
+        <p:spPr>
+          <a:xfrm>
+            <a:off x="2875543" y="3688539"/>
+            <a:ext cx="3718687" cy="2566423"/>
+          </a:xfrm>
+          <a:prstGeom prst="rect">
+            <a:avLst/>
+          </a:prstGeom>
+        </p:spPr>
+      </p:pic>
+      <p:pic>
+        <p:nvPicPr>
+          <p:cNvPr id="4" name="Picture 3">
+            <a:extLst>
+              <a:ext uri="{FF2B5EF4-FFF2-40B4-BE49-F238E27FC236}">
+                <a16:creationId xmlns:a16="http://schemas.microsoft.com/office/drawing/2014/main" id="{6FB63FFD-0DD8-4218-B4FE-B5AD04B8AB83}"/>
+              </a:ext>
+            </a:extLst>
+          </p:cNvPr>
+          <p:cNvPicPr>
+            <a:picLocks noChangeAspect="1"/>
+          </p:cNvPicPr>
+          <p:nvPr/>
+        </p:nvPicPr>
+        <p:blipFill>
+          <a:blip r:embed="rId3"/>
+          <a:stretch>
+            <a:fillRect/>
+          </a:stretch>
+        </p:blipFill>
+        <p:spPr>
+          <a:xfrm>
+            <a:off x="6896832" y="655846"/>
+            <a:ext cx="4990316" cy="5599116"/>
+          </a:xfrm>
+          <a:prstGeom prst="rect">
+            <a:avLst/>
+          </a:prstGeom>
+        </p:spPr>
+      </p:pic>
+      <p:pic>
+        <p:nvPicPr>
+          <p:cNvPr id="2" name="Picture 1">
+            <a:extLst>
+              <a:ext uri="{FF2B5EF4-FFF2-40B4-BE49-F238E27FC236}">
+                <a16:creationId xmlns:a16="http://schemas.microsoft.com/office/drawing/2014/main" id="{F2DD9E67-085F-4428-9061-638C598F7CB2}"/>
+              </a:ext>
+            </a:extLst>
+          </p:cNvPr>
+          <p:cNvPicPr>
+            <a:picLocks noChangeAspect="1"/>
+          </p:cNvPicPr>
+          <p:nvPr/>
+        </p:nvPicPr>
+        <p:blipFill>
+          <a:blip r:embed="rId4"/>
+          <a:stretch>
+            <a:fillRect/>
+          </a:stretch>
+        </p:blipFill>
+        <p:spPr>
+          <a:xfrm>
+            <a:off x="6939944" y="3945119"/>
+            <a:ext cx="818649" cy="973910"/>
+          </a:xfrm>
+          <a:prstGeom prst="rect">
+            <a:avLst/>
+          </a:prstGeom>
+        </p:spPr>
+      </p:pic>
+      <p:pic>
+        <p:nvPicPr>
+          <p:cNvPr id="8" name="Picture 7">
+            <a:extLst>
+              <a:ext uri="{FF2B5EF4-FFF2-40B4-BE49-F238E27FC236}">
+                <a16:creationId xmlns:a16="http://schemas.microsoft.com/office/drawing/2014/main" id="{BB71F5F9-3505-4C9C-9AC0-D539C09F8246}"/>
+              </a:ext>
+            </a:extLst>
+          </p:cNvPr>
+          <p:cNvPicPr>
+            <a:picLocks noChangeAspect="1"/>
+          </p:cNvPicPr>
+          <p:nvPr/>
+        </p:nvPicPr>
+        <p:blipFill>
+          <a:blip r:embed="rId5"/>
+          <a:stretch>
+            <a:fillRect/>
+          </a:stretch>
+        </p:blipFill>
+        <p:spPr>
+          <a:xfrm>
+            <a:off x="4754294" y="3938589"/>
+            <a:ext cx="1581150" cy="447675"/>
+          </a:xfrm>
+          <a:prstGeom prst="rect">
+            <a:avLst/>
+          </a:prstGeom>
+        </p:spPr>
+      </p:pic>
+    </p:spTree>
+    <p:extLst>
+      <p:ext uri="{BB962C8B-B14F-4D97-AF65-F5344CB8AC3E}">
+        <p14:creationId xmlns:p14="http://schemas.microsoft.com/office/powerpoint/2010/main" val="2327376559"/>
+      </p:ext>
+    </p:extLst>
+  </p:cSld>
+  <p:clrMapOvr>
+    <a:masterClrMapping/>
+  </p:clrMapOvr>
+  <mc:AlternateContent xmlns:mc="http://schemas.openxmlformats.org/markup-compatibility/2006" xmlns:p14="http://schemas.microsoft.com/office/powerpoint/2010/main">
+    <mc:Choice Requires="p14">
+      <p:transition p14:dur="10" advClick="0" advTm="500"/>
+    </mc:Choice>
+    <mc:Fallback xmlns="">
+      <p:transition advClick="0" advTm="500"/>
+    </mc:Fallback>
+  </mc:AlternateContent>
+</p:sld>
+</file>
+
+<file path=ppt/slides/slide9.xml><?xml version="1.0" encoding="utf-8"?>
+<p:sld xmlns:a="http://schemas.openxmlformats.org/drawingml/2006/main" xmlns:r="http://schemas.openxmlformats.org/officeDocument/2006/relationships" xmlns:p="http://schemas.openxmlformats.org/presentationml/2006/main">
+  <p:cSld>
+    <p:spTree>
+      <p:nvGrpSpPr>
+        <p:cNvPr id="1" name=""/>
+        <p:cNvGrpSpPr/>
+        <p:nvPr/>
+      </p:nvGrpSpPr>
+      <p:grpSpPr>
+        <a:xfrm>
+          <a:off x="0" y="0"/>
+          <a:ext cx="0" cy="0"/>
+          <a:chOff x="0" y="0"/>
+          <a:chExt cx="0" cy="0"/>
+        </a:xfrm>
+      </p:grpSpPr>
+      <p:sp>
+        <p:nvSpPr>
+          <p:cNvPr id="6" name="TextBox 5">
+            <a:extLst>
+              <a:ext uri="{FF2B5EF4-FFF2-40B4-BE49-F238E27FC236}">
+                <a16:creationId xmlns:a16="http://schemas.microsoft.com/office/drawing/2014/main" id="{DAB6C54A-3904-435D-98A4-BFAA06891B3F}"/>
+              </a:ext>
+            </a:extLst>
+          </p:cNvPr>
+          <p:cNvSpPr txBox="1"/>
+          <p:nvPr/>
+        </p:nvSpPr>
+        <p:spPr>
+          <a:xfrm>
+            <a:off x="280892" y="257509"/>
+            <a:ext cx="6615940" cy="6386364"/>
+          </a:xfrm>
+          <a:prstGeom prst="rect">
+            <a:avLst/>
+          </a:prstGeom>
+          <a:noFill/>
+        </p:spPr>
+        <p:txBody>
+          <a:bodyPr wrap="square" rtlCol="0">
+            <a:spAutoFit/>
+          </a:bodyPr>
+          <a:lstStyle/>
+          <a:p>
+            <a:r>
+              <a:rPr lang="en-US" dirty="0"/>
+              <a:t>Criteria:</a:t>
+            </a:r>
+          </a:p>
+          <a:p>
+            <a:r>
+              <a:rPr lang="en-US" dirty="0"/>
+              <a:t>S&amp;P 500 Day(s) Forward Return: 5</a:t>
+            </a:r>
+          </a:p>
+          <a:p>
+            <a:r>
+              <a:rPr lang="en-US" dirty="0"/>
+              <a:t>Number of Return Percentile Bins: 5</a:t>
+            </a:r>
+          </a:p>
+          <a:p>
+            <a:r>
+              <a:rPr lang="en-US" dirty="0"/>
+              <a:t>	1: Lowest 20% Returns	Below 	-1.47%</a:t>
+            </a:r>
+          </a:p>
+          <a:p>
+            <a:r>
+              <a:rPr lang="en-US" dirty="0"/>
+              <a:t>	2: 20% to 40%		Between 	-1.47% and -0.14%</a:t>
+            </a:r>
+          </a:p>
+          <a:p>
+            <a:r>
+              <a:rPr lang="en-US" dirty="0"/>
+              <a:t>	3: 40% to 60%		Between 	-0.14% and 0.72%</a:t>
+            </a:r>
+          </a:p>
+          <a:p>
+            <a:r>
+              <a:rPr lang="en-US" dirty="0"/>
+              <a:t>	4: 60% to 80%		Between 	 0.72% and 1.74%</a:t>
+            </a:r>
+          </a:p>
+          <a:p>
+            <a:r>
+              <a:rPr lang="en-US" dirty="0"/>
+              <a:t>	5: Highest 20% Returns	Above	 1.74%</a:t>
+            </a:r>
+          </a:p>
+          <a:p>
+            <a:endParaRPr lang="en-US" dirty="0"/>
+          </a:p>
+          <a:p>
+            <a:endParaRPr lang="en-US" dirty="0"/>
+          </a:p>
+          <a:p>
+            <a:r>
+              <a:rPr lang="en-US" dirty="0"/>
+              <a:t>X-Feature Inputs:					K Neighbors: 9</a:t>
+            </a:r>
+          </a:p>
+          <a:p>
+            <a:r>
+              <a:rPr lang="en-US" sz="1100" dirty="0"/>
+              <a:t>				</a:t>
+            </a:r>
+          </a:p>
+          <a:p>
+            <a:pPr marL="628650" lvl="1" indent="-171450">
+              <a:buFontTx/>
+              <a:buChar char="-"/>
+            </a:pPr>
+            <a:r>
+              <a:rPr lang="en-US" sz="1000" b="1" dirty="0"/>
+              <a:t>12WMA%12EMA</a:t>
+            </a:r>
+            <a:r>
+              <a:rPr lang="en-US" sz="1000" b="1" dirty="0">
+                <a:solidFill>
+                  <a:schemeClr val="tx1">
+                    <a:lumMod val="50000"/>
+                  </a:schemeClr>
+                </a:solidFill>
+              </a:rPr>
+              <a:t>		</a:t>
+            </a:r>
+          </a:p>
+          <a:p>
+            <a:pPr marL="628650" lvl="1" indent="-171450">
+              <a:buFontTx/>
+              <a:buChar char="-"/>
+            </a:pPr>
+            <a:r>
+              <a:rPr lang="en-US" sz="1000" b="1" dirty="0">
+                <a:solidFill>
+                  <a:schemeClr val="tx1">
+                    <a:lumMod val="50000"/>
+                  </a:schemeClr>
+                </a:solidFill>
+              </a:rPr>
+              <a:t>12WMA%26EMA		</a:t>
+            </a:r>
+          </a:p>
+          <a:p>
+            <a:pPr marL="628650" lvl="1" indent="-171450">
+              <a:buFontTx/>
+              <a:buChar char="-"/>
+            </a:pPr>
+            <a:r>
+              <a:rPr lang="en-US" sz="1000" b="1" dirty="0">
+                <a:solidFill>
+                  <a:schemeClr val="tx1">
+                    <a:lumMod val="50000"/>
+                  </a:schemeClr>
+                </a:solidFill>
+              </a:rPr>
+              <a:t>12EMA%26EMA		</a:t>
+            </a:r>
+          </a:p>
+          <a:p>
+            <a:pPr marL="628650" lvl="1" indent="-171450">
+              <a:buFontTx/>
+              <a:buChar char="-"/>
+            </a:pPr>
+            <a:r>
+              <a:rPr lang="en-US" sz="1000" b="1" dirty="0"/>
+              <a:t>50SMA%100SMA</a:t>
+            </a:r>
+            <a:r>
+              <a:rPr lang="en-US" sz="1000" b="1" dirty="0">
+                <a:solidFill>
+                  <a:schemeClr val="tx1">
+                    <a:lumMod val="50000"/>
+                  </a:schemeClr>
+                </a:solidFill>
+              </a:rPr>
+              <a:t>		</a:t>
+            </a:r>
+          </a:p>
+          <a:p>
+            <a:pPr marL="628650" lvl="1" indent="-171450">
+              <a:buFontTx/>
+              <a:buChar char="-"/>
+            </a:pPr>
+            <a:r>
+              <a:rPr lang="en-US" sz="1000" b="1" dirty="0">
+                <a:solidFill>
+                  <a:schemeClr val="tx1">
+                    <a:lumMod val="50000"/>
+                  </a:schemeClr>
+                </a:solidFill>
+              </a:rPr>
+              <a:t>50SMA%200SMA		</a:t>
+            </a:r>
+          </a:p>
+          <a:p>
+            <a:pPr marL="628650" lvl="1" indent="-171450">
+              <a:buFontTx/>
+              <a:buChar char="-"/>
+            </a:pPr>
+            <a:r>
+              <a:rPr lang="en-US" sz="1000" b="1" dirty="0">
+                <a:solidFill>
+                  <a:schemeClr val="tx1">
+                    <a:lumMod val="50000"/>
+                  </a:schemeClr>
+                </a:solidFill>
+              </a:rPr>
+              <a:t>100SMA%200SMA	</a:t>
+            </a:r>
+            <a:r>
+              <a:rPr lang="en-US" sz="1000" b="1" dirty="0"/>
+              <a:t>	</a:t>
+            </a:r>
+          </a:p>
+          <a:p>
+            <a:pPr marL="628650" lvl="1" indent="-171450">
+              <a:buFontTx/>
+              <a:buChar char="-"/>
+            </a:pPr>
+            <a:r>
+              <a:rPr lang="en-US" sz="1000" b="1" dirty="0"/>
+              <a:t>RSI				</a:t>
+            </a:r>
+          </a:p>
+          <a:p>
+            <a:pPr marL="628650" lvl="1" indent="-171450">
+              <a:buFontTx/>
+              <a:buChar char="-"/>
+            </a:pPr>
+            <a:r>
+              <a:rPr lang="en-US" sz="1000" b="1" dirty="0"/>
+              <a:t>SP500 </a:t>
+            </a:r>
+            <a:r>
+              <a:rPr lang="en-US" sz="1000" b="1" dirty="0" err="1"/>
+              <a:t>corr</a:t>
+            </a:r>
+            <a:r>
+              <a:rPr lang="en-US" sz="1000" b="1" dirty="0"/>
+              <a:t> 6Mo-3Mo % Ret</a:t>
+            </a:r>
+          </a:p>
+          <a:p>
+            <a:pPr marL="628650" lvl="1" indent="-171450">
+              <a:buFontTx/>
+              <a:buChar char="-"/>
+            </a:pPr>
+            <a:r>
+              <a:rPr lang="en-US" sz="1000" b="1" dirty="0" err="1"/>
+              <a:t>Div</a:t>
+            </a:r>
+            <a:r>
+              <a:rPr lang="en-US" sz="1000" b="1" dirty="0"/>
+              <a:t>/10Yr-2Yr</a:t>
+            </a:r>
+          </a:p>
+          <a:p>
+            <a:pPr marL="628650" lvl="1" indent="-171450">
+              <a:buFontTx/>
+              <a:buChar char="-"/>
+            </a:pPr>
+            <a:r>
+              <a:rPr lang="en-US" sz="1000" b="1" dirty="0"/>
+              <a:t>SP500%12WMA</a:t>
+            </a:r>
+          </a:p>
+          <a:p>
+            <a:pPr marL="628650" lvl="1" indent="-171450">
+              <a:buFontTx/>
+              <a:buChar char="-"/>
+            </a:pPr>
+            <a:r>
+              <a:rPr lang="en-US" sz="1000" b="1" dirty="0">
+                <a:solidFill>
+                  <a:schemeClr val="tx1">
+                    <a:lumMod val="50000"/>
+                  </a:schemeClr>
+                </a:solidFill>
+              </a:rPr>
+              <a:t>SP500%12EMA</a:t>
+            </a:r>
+          </a:p>
+          <a:p>
+            <a:pPr marL="628650" lvl="1" indent="-171450">
+              <a:buFontTx/>
+              <a:buChar char="-"/>
+            </a:pPr>
+            <a:r>
+              <a:rPr lang="en-US" sz="1000" b="1" dirty="0"/>
+              <a:t>SP500%26EMA</a:t>
+            </a:r>
+          </a:p>
+          <a:p>
+            <a:pPr marL="628650" lvl="1" indent="-171450">
+              <a:buFontTx/>
+              <a:buChar char="-"/>
+            </a:pPr>
+            <a:r>
+              <a:rPr lang="en-US" sz="1000" b="1" dirty="0"/>
+              <a:t>SP500%50SMA</a:t>
+            </a:r>
+          </a:p>
+          <a:p>
+            <a:pPr marL="628650" lvl="1" indent="-171450">
+              <a:buFontTx/>
+              <a:buChar char="-"/>
+            </a:pPr>
+            <a:r>
+              <a:rPr lang="en-US" sz="1000" b="1" dirty="0"/>
+              <a:t>SP500%100SMA</a:t>
+            </a:r>
+          </a:p>
+          <a:p>
+            <a:pPr marL="628650" lvl="1" indent="-171450">
+              <a:buFontTx/>
+              <a:buChar char="-"/>
+            </a:pPr>
+            <a:r>
+              <a:rPr lang="en-US" sz="1000" b="1" dirty="0"/>
+              <a:t>SP500%200SMA</a:t>
+            </a:r>
+          </a:p>
+          <a:p>
+            <a:pPr marL="628650" lvl="1" indent="-171450">
+              <a:buFontTx/>
+              <a:buChar char="-"/>
+            </a:pPr>
+            <a:r>
+              <a:rPr lang="en-US" sz="1000" b="1" dirty="0"/>
+              <a:t>SP500%3Upper</a:t>
+            </a:r>
+          </a:p>
+          <a:p>
+            <a:pPr marL="628650" lvl="1" indent="-171450">
+              <a:buFontTx/>
+              <a:buChar char="-"/>
+            </a:pPr>
+            <a:r>
+              <a:rPr lang="en-US" sz="1000" b="1" dirty="0"/>
+              <a:t>SP500%2Upper</a:t>
+            </a:r>
+          </a:p>
+          <a:p>
+            <a:pPr marL="628650" lvl="1" indent="-171450">
+              <a:buFontTx/>
+              <a:buChar char="-"/>
+            </a:pPr>
+            <a:r>
+              <a:rPr lang="en-US" sz="1000" b="1" dirty="0"/>
+              <a:t>SP500%Middle20Day</a:t>
+            </a:r>
+          </a:p>
+          <a:p>
+            <a:pPr marL="628650" lvl="1" indent="-171450">
+              <a:buFontTx/>
+              <a:buChar char="-"/>
+            </a:pPr>
+            <a:r>
+              <a:rPr lang="en-US" sz="1000" b="1" dirty="0"/>
+              <a:t>SP500%2Lower</a:t>
+            </a:r>
+          </a:p>
+          <a:p>
+            <a:pPr marL="628650" lvl="1" indent="-171450">
+              <a:buFontTx/>
+              <a:buChar char="-"/>
+            </a:pPr>
+            <a:r>
+              <a:rPr lang="en-US" sz="1000" b="1" dirty="0"/>
+              <a:t>SP500%3Lower</a:t>
+            </a:r>
+          </a:p>
+        </p:txBody>
+      </p:sp>
+      <p:pic>
+        <p:nvPicPr>
+          <p:cNvPr id="2" name="Picture 1">
+            <a:extLst>
+              <a:ext uri="{FF2B5EF4-FFF2-40B4-BE49-F238E27FC236}">
+                <a16:creationId xmlns:a16="http://schemas.microsoft.com/office/drawing/2014/main" id="{7AC61AEA-DBE1-4E17-9727-1822BB670B42}"/>
+              </a:ext>
+            </a:extLst>
+          </p:cNvPr>
+          <p:cNvPicPr>
+            <a:picLocks noChangeAspect="1"/>
+          </p:cNvPicPr>
+          <p:nvPr/>
+        </p:nvPicPr>
+        <p:blipFill>
+          <a:blip r:embed="rId2"/>
+          <a:stretch>
+            <a:fillRect/>
+          </a:stretch>
+        </p:blipFill>
+        <p:spPr>
+          <a:xfrm>
+            <a:off x="2920512" y="3687844"/>
+            <a:ext cx="3708886" cy="2567118"/>
+          </a:xfrm>
+          <a:prstGeom prst="rect">
+            <a:avLst/>
+          </a:prstGeom>
+        </p:spPr>
+      </p:pic>
+      <p:pic>
+        <p:nvPicPr>
+          <p:cNvPr id="5" name="Picture 4">
+            <a:extLst>
+              <a:ext uri="{FF2B5EF4-FFF2-40B4-BE49-F238E27FC236}">
+                <a16:creationId xmlns:a16="http://schemas.microsoft.com/office/drawing/2014/main" id="{B2779CFF-0C97-4713-939E-4796A048CEAC}"/>
+              </a:ext>
+            </a:extLst>
+          </p:cNvPr>
+          <p:cNvPicPr>
+            <a:picLocks noChangeAspect="1"/>
+          </p:cNvPicPr>
+          <p:nvPr/>
+        </p:nvPicPr>
+        <p:blipFill>
+          <a:blip r:embed="rId3"/>
+          <a:stretch>
+            <a:fillRect/>
+          </a:stretch>
+        </p:blipFill>
+        <p:spPr>
+          <a:xfrm>
+            <a:off x="6896832" y="655846"/>
+            <a:ext cx="5038270" cy="5599116"/>
+          </a:xfrm>
+          <a:prstGeom prst="rect">
+            <a:avLst/>
+          </a:prstGeom>
+        </p:spPr>
+      </p:pic>
+      <p:pic>
+        <p:nvPicPr>
+          <p:cNvPr id="3" name="Picture 2">
+            <a:extLst>
+              <a:ext uri="{FF2B5EF4-FFF2-40B4-BE49-F238E27FC236}">
+                <a16:creationId xmlns:a16="http://schemas.microsoft.com/office/drawing/2014/main" id="{B540839D-FB7B-46A8-992B-C44708877C49}"/>
+              </a:ext>
+            </a:extLst>
+          </p:cNvPr>
+          <p:cNvPicPr>
+            <a:picLocks noChangeAspect="1"/>
+          </p:cNvPicPr>
+          <p:nvPr/>
+        </p:nvPicPr>
+        <p:blipFill>
+          <a:blip r:embed="rId4"/>
+          <a:stretch>
+            <a:fillRect/>
+          </a:stretch>
+        </p:blipFill>
+        <p:spPr>
+          <a:xfrm>
+            <a:off x="6939946" y="3997493"/>
+            <a:ext cx="818649" cy="973910"/>
+          </a:xfrm>
+          <a:prstGeom prst="rect">
+            <a:avLst/>
+          </a:prstGeom>
+        </p:spPr>
+      </p:pic>
+      <p:pic>
+        <p:nvPicPr>
+          <p:cNvPr id="4" name="Picture 3">
+            <a:extLst>
+              <a:ext uri="{FF2B5EF4-FFF2-40B4-BE49-F238E27FC236}">
+                <a16:creationId xmlns:a16="http://schemas.microsoft.com/office/drawing/2014/main" id="{B2E0512A-D612-461E-BCB8-BFF844129535}"/>
+              </a:ext>
+            </a:extLst>
+          </p:cNvPr>
+          <p:cNvPicPr>
+            <a:picLocks noChangeAspect="1"/>
+          </p:cNvPicPr>
+          <p:nvPr/>
+        </p:nvPicPr>
+        <p:blipFill>
+          <a:blip r:embed="rId5"/>
+          <a:stretch>
+            <a:fillRect/>
+          </a:stretch>
+        </p:blipFill>
+        <p:spPr>
+          <a:xfrm>
+            <a:off x="4754294" y="3938589"/>
+            <a:ext cx="1581150" cy="447675"/>
+          </a:xfrm>
+          <a:prstGeom prst="rect">
+            <a:avLst/>
+          </a:prstGeom>
+        </p:spPr>
+      </p:pic>
+    </p:spTree>
+    <p:extLst>
+      <p:ext uri="{BB962C8B-B14F-4D97-AF65-F5344CB8AC3E}">
+        <p14:creationId xmlns:p14="http://schemas.microsoft.com/office/powerpoint/2010/main" val="4165056781"/>
       </p:ext>
     </p:extLst>
   </p:cSld>
